--- a/docs/Spring/BC Code Review Final Presentation.pptx
+++ b/docs/Spring/BC Code Review Final Presentation.pptx
@@ -5,13 +5,15 @@
     <p:sldMasterId id="2147483648" r:id="rId1"/>
   </p:sldMasterIdLst>
   <p:notesMasterIdLst>
-    <p:notesMasterId r:id="rId6"/>
+    <p:notesMasterId r:id="rId8"/>
   </p:notesMasterIdLst>
   <p:sldIdLst>
     <p:sldId id="258" r:id="rId2"/>
     <p:sldId id="261" r:id="rId3"/>
     <p:sldId id="263" r:id="rId4"/>
     <p:sldId id="264" r:id="rId5"/>
+    <p:sldId id="265" r:id="rId6"/>
+    <p:sldId id="266" r:id="rId7"/>
   </p:sldIdLst>
   <p:sldSz cx="12192000" cy="6858000"/>
   <p:notesSz cx="6858000" cy="9144000"/>
@@ -200,7 +202,7 @@
           <a:p>
             <a:fld id="{A5C20BB3-3CCB-4FE5-991B-82F6BCB48AF3}" type="datetimeFigureOut">
               <a:rPr lang="en-US" smtClean="0"/>
-              <a:t>6/13/2021</a:t>
+              <a:t>6/15/2021</a:t>
             </a:fld>
             <a:endParaRPr lang="en-US"/>
           </a:p>
@@ -614,7 +616,7 @@
           <a:p>
             <a:fld id="{5D6495F3-B757-4FAF-98AA-EDA7D1485485}" type="datetimeFigureOut">
               <a:rPr lang="en-US" smtClean="0"/>
-              <a:t>6/13/2021</a:t>
+              <a:t>6/15/2021</a:t>
             </a:fld>
             <a:endParaRPr lang="en-US"/>
           </a:p>
@@ -812,7 +814,7 @@
           <a:p>
             <a:fld id="{5D6495F3-B757-4FAF-98AA-EDA7D1485485}" type="datetimeFigureOut">
               <a:rPr lang="en-US" smtClean="0"/>
-              <a:t>6/13/2021</a:t>
+              <a:t>6/15/2021</a:t>
             </a:fld>
             <a:endParaRPr lang="en-US"/>
           </a:p>
@@ -1020,7 +1022,7 @@
           <a:p>
             <a:fld id="{5D6495F3-B757-4FAF-98AA-EDA7D1485485}" type="datetimeFigureOut">
               <a:rPr lang="en-US" smtClean="0"/>
-              <a:t>6/13/2021</a:t>
+              <a:t>6/15/2021</a:t>
             </a:fld>
             <a:endParaRPr lang="en-US"/>
           </a:p>
@@ -1218,7 +1220,7 @@
           <a:p>
             <a:fld id="{5D6495F3-B757-4FAF-98AA-EDA7D1485485}" type="datetimeFigureOut">
               <a:rPr lang="en-US" smtClean="0"/>
-              <a:t>6/13/2021</a:t>
+              <a:t>6/15/2021</a:t>
             </a:fld>
             <a:endParaRPr lang="en-US"/>
           </a:p>
@@ -1493,7 +1495,7 @@
           <a:p>
             <a:fld id="{5D6495F3-B757-4FAF-98AA-EDA7D1485485}" type="datetimeFigureOut">
               <a:rPr lang="en-US" smtClean="0"/>
-              <a:t>6/13/2021</a:t>
+              <a:t>6/15/2021</a:t>
             </a:fld>
             <a:endParaRPr lang="en-US"/>
           </a:p>
@@ -1758,7 +1760,7 @@
           <a:p>
             <a:fld id="{5D6495F3-B757-4FAF-98AA-EDA7D1485485}" type="datetimeFigureOut">
               <a:rPr lang="en-US" smtClean="0"/>
-              <a:t>6/13/2021</a:t>
+              <a:t>6/15/2021</a:t>
             </a:fld>
             <a:endParaRPr lang="en-US"/>
           </a:p>
@@ -2170,7 +2172,7 @@
           <a:p>
             <a:fld id="{5D6495F3-B757-4FAF-98AA-EDA7D1485485}" type="datetimeFigureOut">
               <a:rPr lang="en-US" smtClean="0"/>
-              <a:t>6/13/2021</a:t>
+              <a:t>6/15/2021</a:t>
             </a:fld>
             <a:endParaRPr lang="en-US"/>
           </a:p>
@@ -2311,7 +2313,7 @@
           <a:p>
             <a:fld id="{5D6495F3-B757-4FAF-98AA-EDA7D1485485}" type="datetimeFigureOut">
               <a:rPr lang="en-US" smtClean="0"/>
-              <a:t>6/13/2021</a:t>
+              <a:t>6/15/2021</a:t>
             </a:fld>
             <a:endParaRPr lang="en-US"/>
           </a:p>
@@ -2424,7 +2426,7 @@
           <a:p>
             <a:fld id="{5D6495F3-B757-4FAF-98AA-EDA7D1485485}" type="datetimeFigureOut">
               <a:rPr lang="en-US" smtClean="0"/>
-              <a:t>6/13/2021</a:t>
+              <a:t>6/15/2021</a:t>
             </a:fld>
             <a:endParaRPr lang="en-US"/>
           </a:p>
@@ -2735,7 +2737,7 @@
           <a:p>
             <a:fld id="{5D6495F3-B757-4FAF-98AA-EDA7D1485485}" type="datetimeFigureOut">
               <a:rPr lang="en-US" smtClean="0"/>
-              <a:t>6/13/2021</a:t>
+              <a:t>6/15/2021</a:t>
             </a:fld>
             <a:endParaRPr lang="en-US"/>
           </a:p>
@@ -3026,7 +3028,7 @@
           <a:p>
             <a:fld id="{5D6495F3-B757-4FAF-98AA-EDA7D1485485}" type="datetimeFigureOut">
               <a:rPr lang="en-US" smtClean="0"/>
-              <a:t>6/13/2021</a:t>
+              <a:t>6/15/2021</a:t>
             </a:fld>
             <a:endParaRPr lang="en-US"/>
           </a:p>
@@ -3267,7 +3269,7 @@
           <a:p>
             <a:fld id="{5D6495F3-B757-4FAF-98AA-EDA7D1485485}" type="datetimeFigureOut">
               <a:rPr lang="en-US" smtClean="0"/>
-              <a:t>6/13/2021</a:t>
+              <a:t>6/15/2021</a:t>
             </a:fld>
             <a:endParaRPr lang="en-US"/>
           </a:p>
@@ -10398,6 +10400,2963 @@
 </p:sld>
 </file>
 
+<file path=ppt/slides/slide5.xml><?xml version="1.0" encoding="utf-8"?>
+<p:sld xmlns:a="http://schemas.openxmlformats.org/drawingml/2006/main" xmlns:r="http://schemas.openxmlformats.org/officeDocument/2006/relationships" xmlns:p="http://schemas.openxmlformats.org/presentationml/2006/main">
+  <p:cSld>
+    <p:spTree>
+      <p:nvGrpSpPr>
+        <p:cNvPr id="1" name=""/>
+        <p:cNvGrpSpPr/>
+        <p:nvPr/>
+      </p:nvGrpSpPr>
+      <p:grpSpPr>
+        <a:xfrm>
+          <a:off x="0" y="0"/>
+          <a:ext cx="0" cy="0"/>
+          <a:chOff x="0" y="0"/>
+          <a:chExt cx="0" cy="0"/>
+        </a:xfrm>
+      </p:grpSpPr>
+      <p:sp>
+        <p:nvSpPr>
+          <p:cNvPr id="39" name="Rectangle 38">
+            <a:extLst>
+              <a:ext uri="{FF2B5EF4-FFF2-40B4-BE49-F238E27FC236}">
+                <a16:creationId xmlns:a16="http://schemas.microsoft.com/office/drawing/2014/main" id="{E8A8EAB8-D2FF-444D-B34B-7D32F106AD0E}"/>
+              </a:ext>
+              <a:ext uri="{C183D7F6-B498-43B3-948B-1728B52AA6E4}">
+                <adec:decorative xmlns:adec="http://schemas.microsoft.com/office/drawing/2017/decorative" val="1"/>
+              </a:ext>
+            </a:extLst>
+          </p:cNvPr>
+          <p:cNvSpPr>
+            <a:spLocks noGrp="1" noRot="1" noChangeAspect="1" noMove="1" noResize="1" noEditPoints="1" noAdjustHandles="1" noChangeArrowheads="1" noChangeShapeType="1" noTextEdit="1"/>
+          </p:cNvSpPr>
+          <p:nvPr>
+            <p:extLst>
+              <p:ext uri="{386F3935-93C4-4BCD-93E2-E3B085C9AB24}">
+                <p16:designElem xmlns:p16="http://schemas.microsoft.com/office/powerpoint/2015/main" val="1"/>
+              </p:ext>
+            </p:extLst>
+          </p:nvPr>
+        </p:nvSpPr>
+        <p:spPr>
+          <a:xfrm>
+            <a:off x="0" y="0"/>
+            <a:ext cx="12192000" cy="6858000"/>
+          </a:xfrm>
+          <a:prstGeom prst="rect">
+            <a:avLst/>
+          </a:prstGeom>
+          <a:solidFill>
+            <a:schemeClr val="tx1">
+              <a:lumMod val="95000"/>
+              <a:lumOff val="5000"/>
+            </a:schemeClr>
+          </a:solidFill>
+          <a:ln>
+            <a:noFill/>
+          </a:ln>
+        </p:spPr>
+        <p:style>
+          <a:lnRef idx="2">
+            <a:schemeClr val="accent1">
+              <a:shade val="50000"/>
+            </a:schemeClr>
+          </a:lnRef>
+          <a:fillRef idx="1">
+            <a:schemeClr val="accent1"/>
+          </a:fillRef>
+          <a:effectRef idx="0">
+            <a:schemeClr val="accent1"/>
+          </a:effectRef>
+          <a:fontRef idx="minor">
+            <a:schemeClr val="lt1"/>
+          </a:fontRef>
+        </p:style>
+        <p:txBody>
+          <a:bodyPr rtlCol="0" anchor="ctr"/>
+          <a:lstStyle/>
+          <a:p>
+            <a:pPr algn="ctr"/>
+            <a:endParaRPr lang="en-US" dirty="0">
+              <a:solidFill>
+                <a:schemeClr val="bg1"/>
+              </a:solidFill>
+            </a:endParaRPr>
+          </a:p>
+        </p:txBody>
+      </p:sp>
+      <p:sp>
+        <p:nvSpPr>
+          <p:cNvPr id="2" name="Title 1">
+            <a:extLst>
+              <a:ext uri="{FF2B5EF4-FFF2-40B4-BE49-F238E27FC236}">
+                <a16:creationId xmlns:a16="http://schemas.microsoft.com/office/drawing/2014/main" id="{38DC710A-B3DB-45C1-95C5-4FB80FBA11EA}"/>
+              </a:ext>
+            </a:extLst>
+          </p:cNvPr>
+          <p:cNvSpPr>
+            <a:spLocks noGrp="1"/>
+          </p:cNvSpPr>
+          <p:nvPr>
+            <p:ph type="title"/>
+          </p:nvPr>
+        </p:nvSpPr>
+        <p:spPr>
+          <a:xfrm>
+            <a:off x="838200" y="448721"/>
+            <a:ext cx="4707671" cy="1225650"/>
+          </a:xfrm>
+        </p:spPr>
+        <p:style>
+          <a:lnRef idx="2">
+            <a:schemeClr val="accent5">
+              <a:shade val="50000"/>
+            </a:schemeClr>
+          </a:lnRef>
+          <a:fillRef idx="1">
+            <a:schemeClr val="accent5"/>
+          </a:fillRef>
+          <a:effectRef idx="0">
+            <a:schemeClr val="accent5"/>
+          </a:effectRef>
+          <a:fontRef idx="minor">
+            <a:schemeClr val="lt1"/>
+          </a:fontRef>
+        </p:style>
+        <p:txBody>
+          <a:bodyPr anchor="b">
+            <a:normAutofit/>
+          </a:bodyPr>
+          <a:lstStyle/>
+          <a:p>
+            <a:r>
+              <a:rPr lang="en-US" sz="3800" dirty="0">
+                <a:ln w="0"/>
+                <a:solidFill>
+                  <a:schemeClr val="tx1"/>
+                </a:solidFill>
+                <a:effectLst>
+                  <a:outerShdw blurRad="38100" dist="19050" dir="2700000" algn="tl" rotWithShape="0">
+                    <a:schemeClr val="dk1">
+                      <a:alpha val="40000"/>
+                    </a:schemeClr>
+                  </a:outerShdw>
+                </a:effectLst>
+              </a:rPr>
+              <a:t>Biggest Challenges</a:t>
+            </a:r>
+          </a:p>
+        </p:txBody>
+      </p:sp>
+      <p:cxnSp>
+        <p:nvCxnSpPr>
+          <p:cNvPr id="41" name="Straight Connector 40">
+            <a:extLst>
+              <a:ext uri="{FF2B5EF4-FFF2-40B4-BE49-F238E27FC236}">
+                <a16:creationId xmlns:a16="http://schemas.microsoft.com/office/drawing/2014/main" id="{EEA38897-7BA3-4408-8083-3235339C4A60}"/>
+              </a:ext>
+              <a:ext uri="{C183D7F6-B498-43B3-948B-1728B52AA6E4}">
+                <adec:decorative xmlns:adec="http://schemas.microsoft.com/office/drawing/2017/decorative" val="1"/>
+              </a:ext>
+            </a:extLst>
+          </p:cNvPr>
+          <p:cNvCxnSpPr>
+            <a:cxnSpLocks noGrp="1" noRot="1" noChangeAspect="1" noMove="1" noResize="1" noEditPoints="1" noAdjustHandles="1" noChangeArrowheads="1" noChangeShapeType="1"/>
+          </p:cNvCxnSpPr>
+          <p:nvPr>
+            <p:extLst>
+              <p:ext uri="{386F3935-93C4-4BCD-93E2-E3B085C9AB24}">
+                <p16:designElem xmlns:p16="http://schemas.microsoft.com/office/powerpoint/2015/main" val="1"/>
+              </p:ext>
+            </p:extLst>
+          </p:nvPr>
+        </p:nvCxnSpPr>
+        <p:spPr>
+          <a:xfrm flipH="1">
+            <a:off x="831873" y="1749756"/>
+            <a:ext cx="4718304" cy="0"/>
+          </a:xfrm>
+          <a:prstGeom prst="line">
+            <a:avLst/>
+          </a:prstGeom>
+          <a:ln w="12700">
+            <a:solidFill>
+              <a:schemeClr val="accent2"/>
+            </a:solidFill>
+          </a:ln>
+        </p:spPr>
+        <p:style>
+          <a:lnRef idx="1">
+            <a:schemeClr val="accent1"/>
+          </a:lnRef>
+          <a:fillRef idx="0">
+            <a:schemeClr val="accent1"/>
+          </a:fillRef>
+          <a:effectRef idx="0">
+            <a:schemeClr val="accent1"/>
+          </a:effectRef>
+          <a:fontRef idx="minor">
+            <a:schemeClr val="tx1"/>
+          </a:fontRef>
+        </p:style>
+      </p:cxnSp>
+      <p:sp>
+        <p:nvSpPr>
+          <p:cNvPr id="3" name="Content Placeholder 2">
+            <a:extLst>
+              <a:ext uri="{FF2B5EF4-FFF2-40B4-BE49-F238E27FC236}">
+                <a16:creationId xmlns:a16="http://schemas.microsoft.com/office/drawing/2014/main" id="{E8A4306B-303F-44DF-92D2-5B239B26D95F}"/>
+              </a:ext>
+            </a:extLst>
+          </p:cNvPr>
+          <p:cNvSpPr>
+            <a:spLocks noGrp="1"/>
+          </p:cNvSpPr>
+          <p:nvPr>
+            <p:ph idx="1"/>
+          </p:nvPr>
+        </p:nvSpPr>
+        <p:spPr>
+          <a:xfrm>
+            <a:off x="897769" y="1909192"/>
+            <a:ext cx="4586513" cy="3647710"/>
+          </a:xfrm>
+        </p:spPr>
+        <p:style>
+          <a:lnRef idx="0">
+            <a:scrgbClr r="0" g="0" b="0"/>
+          </a:lnRef>
+          <a:fillRef idx="0">
+            <a:scrgbClr r="0" g="0" b="0"/>
+          </a:fillRef>
+          <a:effectRef idx="0">
+            <a:scrgbClr r="0" g="0" b="0"/>
+          </a:effectRef>
+          <a:fontRef idx="minor">
+            <a:schemeClr val="lt1"/>
+          </a:fontRef>
+        </p:style>
+        <p:txBody>
+          <a:bodyPr>
+            <a:normAutofit/>
+          </a:bodyPr>
+          <a:lstStyle/>
+          <a:p>
+            <a:r>
+              <a:rPr lang="en-US" sz="2000" dirty="0">
+                <a:solidFill>
+                  <a:schemeClr val="bg1"/>
+                </a:solidFill>
+              </a:rPr>
+              <a:t>Hosting</a:t>
+            </a:r>
+          </a:p>
+          <a:p>
+            <a:r>
+              <a:rPr lang="en-US" sz="2000" dirty="0">
+                <a:solidFill>
+                  <a:schemeClr val="bg1"/>
+                </a:solidFill>
+              </a:rPr>
+              <a:t>Learning new technologies</a:t>
+            </a:r>
+          </a:p>
+          <a:p>
+            <a:pPr lvl="1"/>
+            <a:r>
+              <a:rPr lang="en-US" sz="1600" dirty="0">
+                <a:solidFill>
+                  <a:schemeClr val="bg1"/>
+                </a:solidFill>
+              </a:rPr>
+              <a:t>React</a:t>
+            </a:r>
+          </a:p>
+          <a:p>
+            <a:pPr lvl="1"/>
+            <a:r>
+              <a:rPr lang="en-US" sz="1600" dirty="0">
+                <a:solidFill>
+                  <a:schemeClr val="bg1"/>
+                </a:solidFill>
+              </a:rPr>
+              <a:t>Amazon Web Services (AWS)</a:t>
+            </a:r>
+          </a:p>
+          <a:p>
+            <a:pPr lvl="1"/>
+            <a:r>
+              <a:rPr lang="en-US" sz="1600" dirty="0">
+                <a:solidFill>
+                  <a:schemeClr val="bg1"/>
+                </a:solidFill>
+              </a:rPr>
+              <a:t>APIs</a:t>
+            </a:r>
+          </a:p>
+          <a:p>
+            <a:pPr lvl="1"/>
+            <a:r>
+              <a:rPr lang="en-US" sz="1600" dirty="0">
+                <a:solidFill>
+                  <a:schemeClr val="bg1"/>
+                </a:solidFill>
+              </a:rPr>
+              <a:t>CSS</a:t>
+            </a:r>
+          </a:p>
+          <a:p>
+            <a:r>
+              <a:rPr lang="en-US" sz="2000" dirty="0">
+                <a:solidFill>
+                  <a:schemeClr val="bg1"/>
+                </a:solidFill>
+              </a:rPr>
+              <a:t>Overwhelmed ourselves at times</a:t>
+            </a:r>
+          </a:p>
+          <a:p>
+            <a:pPr lvl="1"/>
+            <a:endParaRPr lang="en-US" sz="1600" dirty="0">
+              <a:solidFill>
+                <a:schemeClr val="bg1"/>
+              </a:solidFill>
+            </a:endParaRPr>
+          </a:p>
+          <a:p>
+            <a:pPr marL="742950" lvl="1" indent="-285750"/>
+            <a:endParaRPr lang="en-US" sz="2000" dirty="0">
+              <a:solidFill>
+                <a:schemeClr val="bg1"/>
+              </a:solidFill>
+            </a:endParaRPr>
+          </a:p>
+          <a:p>
+            <a:endParaRPr lang="en-US" sz="2000" dirty="0">
+              <a:solidFill>
+                <a:schemeClr val="bg1"/>
+              </a:solidFill>
+            </a:endParaRPr>
+          </a:p>
+        </p:txBody>
+      </p:sp>
+      <p:cxnSp>
+        <p:nvCxnSpPr>
+          <p:cNvPr id="43" name="Straight Connector 42">
+            <a:extLst>
+              <a:ext uri="{FF2B5EF4-FFF2-40B4-BE49-F238E27FC236}">
+                <a16:creationId xmlns:a16="http://schemas.microsoft.com/office/drawing/2014/main" id="{F11AD06B-AB20-4097-8606-5DA00DBACE88}"/>
+              </a:ext>
+              <a:ext uri="{C183D7F6-B498-43B3-948B-1728B52AA6E4}">
+                <adec:decorative xmlns:adec="http://schemas.microsoft.com/office/drawing/2017/decorative" val="1"/>
+              </a:ext>
+            </a:extLst>
+          </p:cNvPr>
+          <p:cNvCxnSpPr>
+            <a:cxnSpLocks noGrp="1" noRot="1" noChangeAspect="1" noMove="1" noResize="1" noEditPoints="1" noAdjustHandles="1" noChangeArrowheads="1" noChangeShapeType="1"/>
+          </p:cNvCxnSpPr>
+          <p:nvPr>
+            <p:extLst>
+              <p:ext uri="{386F3935-93C4-4BCD-93E2-E3B085C9AB24}">
+                <p16:designElem xmlns:p16="http://schemas.microsoft.com/office/powerpoint/2015/main" val="1"/>
+              </p:ext>
+            </p:extLst>
+          </p:nvPr>
+        </p:nvCxnSpPr>
+        <p:spPr>
+          <a:xfrm flipH="1">
+            <a:off x="834027" y="5707672"/>
+            <a:ext cx="4713997" cy="0"/>
+          </a:xfrm>
+          <a:prstGeom prst="line">
+            <a:avLst/>
+          </a:prstGeom>
+          <a:ln w="12700">
+            <a:solidFill>
+              <a:schemeClr val="accent2"/>
+            </a:solidFill>
+          </a:ln>
+        </p:spPr>
+        <p:style>
+          <a:lnRef idx="1">
+            <a:schemeClr val="accent1"/>
+          </a:lnRef>
+          <a:fillRef idx="0">
+            <a:schemeClr val="accent1"/>
+          </a:fillRef>
+          <a:effectRef idx="0">
+            <a:schemeClr val="accent1"/>
+          </a:effectRef>
+          <a:fontRef idx="minor">
+            <a:schemeClr val="tx1"/>
+          </a:fontRef>
+        </p:style>
+      </p:cxnSp>
+    </p:spTree>
+    <p:extLst>
+      <p:ext uri="{BB962C8B-B14F-4D97-AF65-F5344CB8AC3E}">
+        <p14:creationId xmlns:p14="http://schemas.microsoft.com/office/powerpoint/2010/main" val="2728300164"/>
+      </p:ext>
+    </p:extLst>
+  </p:cSld>
+  <p:clrMapOvr>
+    <a:masterClrMapping/>
+  </p:clrMapOvr>
+  <p:timing>
+    <p:tnLst>
+      <p:par>
+        <p:cTn id="1" dur="indefinite" restart="never" nodeType="tmRoot">
+          <p:childTnLst>
+            <p:seq concurrent="1" nextAc="seek">
+              <p:cTn id="2" dur="indefinite" nodeType="mainSeq">
+                <p:childTnLst>
+                  <p:par>
+                    <p:cTn id="3" fill="hold">
+                      <p:stCondLst>
+                        <p:cond delay="indefinite"/>
+                      </p:stCondLst>
+                      <p:childTnLst>
+                        <p:par>
+                          <p:cTn id="4" fill="hold">
+                            <p:stCondLst>
+                              <p:cond delay="0"/>
+                            </p:stCondLst>
+                            <p:childTnLst>
+                              <p:par>
+                                <p:cTn id="5" presetID="1" presetClass="entr" presetSubtype="0" fill="hold" nodeType="clickEffect">
+                                  <p:stCondLst>
+                                    <p:cond delay="0"/>
+                                  </p:stCondLst>
+                                  <p:childTnLst>
+                                    <p:set>
+                                      <p:cBhvr>
+                                        <p:cTn id="6" dur="1" fill="hold">
+                                          <p:stCondLst>
+                                            <p:cond delay="0"/>
+                                          </p:stCondLst>
+                                        </p:cTn>
+                                        <p:tgtEl>
+                                          <p:spTgt spid="3">
+                                            <p:txEl>
+                                              <p:pRg st="0" end="0"/>
+                                            </p:txEl>
+                                          </p:spTgt>
+                                        </p:tgtEl>
+                                        <p:attrNameLst>
+                                          <p:attrName>style.visibility</p:attrName>
+                                        </p:attrNameLst>
+                                      </p:cBhvr>
+                                      <p:to>
+                                        <p:strVal val="visible"/>
+                                      </p:to>
+                                    </p:set>
+                                  </p:childTnLst>
+                                </p:cTn>
+                              </p:par>
+                            </p:childTnLst>
+                          </p:cTn>
+                        </p:par>
+                      </p:childTnLst>
+                    </p:cTn>
+                  </p:par>
+                  <p:par>
+                    <p:cTn id="7" fill="hold">
+                      <p:stCondLst>
+                        <p:cond delay="indefinite"/>
+                      </p:stCondLst>
+                      <p:childTnLst>
+                        <p:par>
+                          <p:cTn id="8" fill="hold">
+                            <p:stCondLst>
+                              <p:cond delay="0"/>
+                            </p:stCondLst>
+                            <p:childTnLst>
+                              <p:par>
+                                <p:cTn id="9" presetID="1" presetClass="entr" presetSubtype="0" fill="hold" nodeType="clickEffect">
+                                  <p:stCondLst>
+                                    <p:cond delay="0"/>
+                                  </p:stCondLst>
+                                  <p:childTnLst>
+                                    <p:set>
+                                      <p:cBhvr>
+                                        <p:cTn id="10" dur="1" fill="hold">
+                                          <p:stCondLst>
+                                            <p:cond delay="0"/>
+                                          </p:stCondLst>
+                                        </p:cTn>
+                                        <p:tgtEl>
+                                          <p:spTgt spid="3">
+                                            <p:txEl>
+                                              <p:pRg st="1" end="1"/>
+                                            </p:txEl>
+                                          </p:spTgt>
+                                        </p:tgtEl>
+                                        <p:attrNameLst>
+                                          <p:attrName>style.visibility</p:attrName>
+                                        </p:attrNameLst>
+                                      </p:cBhvr>
+                                      <p:to>
+                                        <p:strVal val="visible"/>
+                                      </p:to>
+                                    </p:set>
+                                  </p:childTnLst>
+                                </p:cTn>
+                              </p:par>
+                            </p:childTnLst>
+                          </p:cTn>
+                        </p:par>
+                      </p:childTnLst>
+                    </p:cTn>
+                  </p:par>
+                  <p:par>
+                    <p:cTn id="11" fill="hold">
+                      <p:stCondLst>
+                        <p:cond delay="indefinite"/>
+                      </p:stCondLst>
+                      <p:childTnLst>
+                        <p:par>
+                          <p:cTn id="12" fill="hold">
+                            <p:stCondLst>
+                              <p:cond delay="0"/>
+                            </p:stCondLst>
+                            <p:childTnLst>
+                              <p:par>
+                                <p:cTn id="13" presetID="1" presetClass="entr" presetSubtype="0" fill="hold" nodeType="clickEffect">
+                                  <p:stCondLst>
+                                    <p:cond delay="0"/>
+                                  </p:stCondLst>
+                                  <p:childTnLst>
+                                    <p:set>
+                                      <p:cBhvr>
+                                        <p:cTn id="14" dur="1" fill="hold">
+                                          <p:stCondLst>
+                                            <p:cond delay="0"/>
+                                          </p:stCondLst>
+                                        </p:cTn>
+                                        <p:tgtEl>
+                                          <p:spTgt spid="3">
+                                            <p:txEl>
+                                              <p:pRg st="2" end="2"/>
+                                            </p:txEl>
+                                          </p:spTgt>
+                                        </p:tgtEl>
+                                        <p:attrNameLst>
+                                          <p:attrName>style.visibility</p:attrName>
+                                        </p:attrNameLst>
+                                      </p:cBhvr>
+                                      <p:to>
+                                        <p:strVal val="visible"/>
+                                      </p:to>
+                                    </p:set>
+                                  </p:childTnLst>
+                                </p:cTn>
+                              </p:par>
+                            </p:childTnLst>
+                          </p:cTn>
+                        </p:par>
+                      </p:childTnLst>
+                    </p:cTn>
+                  </p:par>
+                  <p:par>
+                    <p:cTn id="15" fill="hold">
+                      <p:stCondLst>
+                        <p:cond delay="indefinite"/>
+                      </p:stCondLst>
+                      <p:childTnLst>
+                        <p:par>
+                          <p:cTn id="16" fill="hold">
+                            <p:stCondLst>
+                              <p:cond delay="0"/>
+                            </p:stCondLst>
+                            <p:childTnLst>
+                              <p:par>
+                                <p:cTn id="17" presetID="1" presetClass="entr" presetSubtype="0" fill="hold" nodeType="clickEffect">
+                                  <p:stCondLst>
+                                    <p:cond delay="0"/>
+                                  </p:stCondLst>
+                                  <p:childTnLst>
+                                    <p:set>
+                                      <p:cBhvr>
+                                        <p:cTn id="18" dur="1" fill="hold">
+                                          <p:stCondLst>
+                                            <p:cond delay="0"/>
+                                          </p:stCondLst>
+                                        </p:cTn>
+                                        <p:tgtEl>
+                                          <p:spTgt spid="3">
+                                            <p:txEl>
+                                              <p:pRg st="3" end="3"/>
+                                            </p:txEl>
+                                          </p:spTgt>
+                                        </p:tgtEl>
+                                        <p:attrNameLst>
+                                          <p:attrName>style.visibility</p:attrName>
+                                        </p:attrNameLst>
+                                      </p:cBhvr>
+                                      <p:to>
+                                        <p:strVal val="visible"/>
+                                      </p:to>
+                                    </p:set>
+                                  </p:childTnLst>
+                                </p:cTn>
+                              </p:par>
+                            </p:childTnLst>
+                          </p:cTn>
+                        </p:par>
+                      </p:childTnLst>
+                    </p:cTn>
+                  </p:par>
+                  <p:par>
+                    <p:cTn id="19" fill="hold">
+                      <p:stCondLst>
+                        <p:cond delay="indefinite"/>
+                      </p:stCondLst>
+                      <p:childTnLst>
+                        <p:par>
+                          <p:cTn id="20" fill="hold">
+                            <p:stCondLst>
+                              <p:cond delay="0"/>
+                            </p:stCondLst>
+                            <p:childTnLst>
+                              <p:par>
+                                <p:cTn id="21" presetID="1" presetClass="entr" presetSubtype="0" fill="hold" nodeType="clickEffect">
+                                  <p:stCondLst>
+                                    <p:cond delay="0"/>
+                                  </p:stCondLst>
+                                  <p:childTnLst>
+                                    <p:set>
+                                      <p:cBhvr>
+                                        <p:cTn id="22" dur="1" fill="hold">
+                                          <p:stCondLst>
+                                            <p:cond delay="0"/>
+                                          </p:stCondLst>
+                                        </p:cTn>
+                                        <p:tgtEl>
+                                          <p:spTgt spid="3">
+                                            <p:txEl>
+                                              <p:pRg st="4" end="4"/>
+                                            </p:txEl>
+                                          </p:spTgt>
+                                        </p:tgtEl>
+                                        <p:attrNameLst>
+                                          <p:attrName>style.visibility</p:attrName>
+                                        </p:attrNameLst>
+                                      </p:cBhvr>
+                                      <p:to>
+                                        <p:strVal val="visible"/>
+                                      </p:to>
+                                    </p:set>
+                                  </p:childTnLst>
+                                </p:cTn>
+                              </p:par>
+                            </p:childTnLst>
+                          </p:cTn>
+                        </p:par>
+                      </p:childTnLst>
+                    </p:cTn>
+                  </p:par>
+                  <p:par>
+                    <p:cTn id="23" fill="hold">
+                      <p:stCondLst>
+                        <p:cond delay="indefinite"/>
+                      </p:stCondLst>
+                      <p:childTnLst>
+                        <p:par>
+                          <p:cTn id="24" fill="hold">
+                            <p:stCondLst>
+                              <p:cond delay="0"/>
+                            </p:stCondLst>
+                            <p:childTnLst>
+                              <p:par>
+                                <p:cTn id="25" presetID="1" presetClass="entr" presetSubtype="0" fill="hold" nodeType="clickEffect">
+                                  <p:stCondLst>
+                                    <p:cond delay="0"/>
+                                  </p:stCondLst>
+                                  <p:childTnLst>
+                                    <p:set>
+                                      <p:cBhvr>
+                                        <p:cTn id="26" dur="1" fill="hold">
+                                          <p:stCondLst>
+                                            <p:cond delay="0"/>
+                                          </p:stCondLst>
+                                        </p:cTn>
+                                        <p:tgtEl>
+                                          <p:spTgt spid="3">
+                                            <p:txEl>
+                                              <p:pRg st="5" end="5"/>
+                                            </p:txEl>
+                                          </p:spTgt>
+                                        </p:tgtEl>
+                                        <p:attrNameLst>
+                                          <p:attrName>style.visibility</p:attrName>
+                                        </p:attrNameLst>
+                                      </p:cBhvr>
+                                      <p:to>
+                                        <p:strVal val="visible"/>
+                                      </p:to>
+                                    </p:set>
+                                  </p:childTnLst>
+                                </p:cTn>
+                              </p:par>
+                            </p:childTnLst>
+                          </p:cTn>
+                        </p:par>
+                      </p:childTnLst>
+                    </p:cTn>
+                  </p:par>
+                  <p:par>
+                    <p:cTn id="27" fill="hold">
+                      <p:stCondLst>
+                        <p:cond delay="indefinite"/>
+                      </p:stCondLst>
+                      <p:childTnLst>
+                        <p:par>
+                          <p:cTn id="28" fill="hold">
+                            <p:stCondLst>
+                              <p:cond delay="0"/>
+                            </p:stCondLst>
+                            <p:childTnLst>
+                              <p:par>
+                                <p:cTn id="29" presetID="1" presetClass="entr" presetSubtype="0" fill="hold" nodeType="clickEffect">
+                                  <p:stCondLst>
+                                    <p:cond delay="0"/>
+                                  </p:stCondLst>
+                                  <p:childTnLst>
+                                    <p:set>
+                                      <p:cBhvr>
+                                        <p:cTn id="30" dur="1" fill="hold">
+                                          <p:stCondLst>
+                                            <p:cond delay="0"/>
+                                          </p:stCondLst>
+                                        </p:cTn>
+                                        <p:tgtEl>
+                                          <p:spTgt spid="3">
+                                            <p:txEl>
+                                              <p:pRg st="6" end="6"/>
+                                            </p:txEl>
+                                          </p:spTgt>
+                                        </p:tgtEl>
+                                        <p:attrNameLst>
+                                          <p:attrName>style.visibility</p:attrName>
+                                        </p:attrNameLst>
+                                      </p:cBhvr>
+                                      <p:to>
+                                        <p:strVal val="visible"/>
+                                      </p:to>
+                                    </p:set>
+                                  </p:childTnLst>
+                                </p:cTn>
+                              </p:par>
+                            </p:childTnLst>
+                          </p:cTn>
+                        </p:par>
+                      </p:childTnLst>
+                    </p:cTn>
+                  </p:par>
+                </p:childTnLst>
+              </p:cTn>
+              <p:prevCondLst>
+                <p:cond evt="onPrev" delay="0">
+                  <p:tgtEl>
+                    <p:sldTgt/>
+                  </p:tgtEl>
+                </p:cond>
+              </p:prevCondLst>
+              <p:nextCondLst>
+                <p:cond evt="onNext" delay="0">
+                  <p:tgtEl>
+                    <p:sldTgt/>
+                  </p:tgtEl>
+                </p:cond>
+              </p:nextCondLst>
+            </p:seq>
+          </p:childTnLst>
+        </p:cTn>
+      </p:par>
+    </p:tnLst>
+  </p:timing>
+</p:sld>
+</file>
+
+<file path=ppt/slides/slide6.xml><?xml version="1.0" encoding="utf-8"?>
+<p:sld xmlns:a="http://schemas.openxmlformats.org/drawingml/2006/main" xmlns:r="http://schemas.openxmlformats.org/officeDocument/2006/relationships" xmlns:p="http://schemas.openxmlformats.org/presentationml/2006/main">
+  <p:cSld>
+    <p:bg>
+      <p:bgPr>
+        <a:solidFill>
+          <a:schemeClr val="bg1"/>
+        </a:solidFill>
+        <a:effectLst/>
+      </p:bgPr>
+    </p:bg>
+    <p:spTree>
+      <p:nvGrpSpPr>
+        <p:cNvPr id="1" name=""/>
+        <p:cNvGrpSpPr/>
+        <p:nvPr/>
+      </p:nvGrpSpPr>
+      <p:grpSpPr>
+        <a:xfrm>
+          <a:off x="0" y="0"/>
+          <a:ext cx="0" cy="0"/>
+          <a:chOff x="0" y="0"/>
+          <a:chExt cx="0" cy="0"/>
+        </a:xfrm>
+      </p:grpSpPr>
+      <p:sp>
+        <p:nvSpPr>
+          <p:cNvPr id="48" name="Rectangle 47">
+            <a:extLst>
+              <a:ext uri="{FF2B5EF4-FFF2-40B4-BE49-F238E27FC236}">
+                <a16:creationId xmlns:a16="http://schemas.microsoft.com/office/drawing/2014/main" id="{5A0118C5-4F8D-4CF4-BADD-53FEACC6C42A}"/>
+              </a:ext>
+              <a:ext uri="{C183D7F6-B498-43B3-948B-1728B52AA6E4}">
+                <adec:decorative xmlns:adec="http://schemas.microsoft.com/office/drawing/2017/decorative" val="1"/>
+              </a:ext>
+            </a:extLst>
+          </p:cNvPr>
+          <p:cNvSpPr>
+            <a:spLocks noGrp="1" noRot="1" noChangeAspect="1" noMove="1" noResize="1" noEditPoints="1" noAdjustHandles="1" noChangeArrowheads="1" noChangeShapeType="1" noTextEdit="1"/>
+          </p:cNvSpPr>
+          <p:nvPr>
+            <p:extLst>
+              <p:ext uri="{386F3935-93C4-4BCD-93E2-E3B085C9AB24}">
+                <p16:designElem xmlns:p16="http://schemas.microsoft.com/office/powerpoint/2015/main" val="1"/>
+              </p:ext>
+            </p:extLst>
+          </p:nvPr>
+        </p:nvSpPr>
+        <p:spPr>
+          <a:xfrm>
+            <a:off x="0" y="0"/>
+            <a:ext cx="12192000" cy="6858000"/>
+          </a:xfrm>
+          <a:prstGeom prst="rect">
+            <a:avLst/>
+          </a:prstGeom>
+          <a:solidFill>
+            <a:schemeClr val="tx1"/>
+          </a:solidFill>
+          <a:ln>
+            <a:noFill/>
+          </a:ln>
+        </p:spPr>
+        <p:style>
+          <a:lnRef idx="2">
+            <a:schemeClr val="accent1">
+              <a:shade val="50000"/>
+            </a:schemeClr>
+          </a:lnRef>
+          <a:fillRef idx="1">
+            <a:schemeClr val="accent1"/>
+          </a:fillRef>
+          <a:effectRef idx="0">
+            <a:schemeClr val="accent1"/>
+          </a:effectRef>
+          <a:fontRef idx="minor">
+            <a:schemeClr val="lt1"/>
+          </a:fontRef>
+        </p:style>
+        <p:txBody>
+          <a:bodyPr rtlCol="0" anchor="ctr"/>
+          <a:lstStyle/>
+          <a:p>
+            <a:pPr algn="ctr"/>
+            <a:endParaRPr lang="en-US" dirty="0"/>
+          </a:p>
+        </p:txBody>
+      </p:sp>
+      <p:sp>
+        <p:nvSpPr>
+          <p:cNvPr id="50" name="Freeform: Shape 49">
+            <a:extLst>
+              <a:ext uri="{FF2B5EF4-FFF2-40B4-BE49-F238E27FC236}">
+                <a16:creationId xmlns:a16="http://schemas.microsoft.com/office/drawing/2014/main" id="{3C1D1FA3-6212-4B97-9B1E-C7F81247C2B9}"/>
+              </a:ext>
+              <a:ext uri="{C183D7F6-B498-43B3-948B-1728B52AA6E4}">
+                <adec:decorative xmlns:adec="http://schemas.microsoft.com/office/drawing/2017/decorative" val="1"/>
+              </a:ext>
+            </a:extLst>
+          </p:cNvPr>
+          <p:cNvSpPr>
+            <a:spLocks noGrp="1" noRot="1" noChangeAspect="1" noMove="1" noResize="1" noEditPoints="1" noAdjustHandles="1" noChangeArrowheads="1" noChangeShapeType="1" noTextEdit="1"/>
+          </p:cNvSpPr>
+          <p:nvPr>
+            <p:extLst>
+              <p:ext uri="{386F3935-93C4-4BCD-93E2-E3B085C9AB24}">
+                <p16:designElem xmlns:p16="http://schemas.microsoft.com/office/powerpoint/2015/main" val="1"/>
+              </p:ext>
+            </p:extLst>
+          </p:nvPr>
+        </p:nvSpPr>
+        <p:spPr>
+          <a:xfrm>
+            <a:off x="1" y="2"/>
+            <a:ext cx="2232251" cy="2361890"/>
+          </a:xfrm>
+          <a:custGeom>
+            <a:avLst/>
+            <a:gdLst>
+              <a:gd name="connsiteX0" fmla="*/ 2292284 w 3871489"/>
+              <a:gd name="connsiteY0" fmla="*/ 0 h 4096327"/>
+              <a:gd name="connsiteX1" fmla="*/ 3500914 w 3871489"/>
+              <a:gd name="connsiteY1" fmla="*/ 0 h 4096327"/>
+              <a:gd name="connsiteX2" fmla="*/ 3542229 w 3871489"/>
+              <a:gd name="connsiteY2" fmla="*/ 68006 h 4096327"/>
+              <a:gd name="connsiteX3" fmla="*/ 3871489 w 3871489"/>
+              <a:gd name="connsiteY3" fmla="*/ 1368323 h 4096327"/>
+              <a:gd name="connsiteX4" fmla="*/ 1143485 w 3871489"/>
+              <a:gd name="connsiteY4" fmla="*/ 4096327 h 4096327"/>
+              <a:gd name="connsiteX5" fmla="*/ 81633 w 3871489"/>
+              <a:gd name="connsiteY5" fmla="*/ 3881944 h 4096327"/>
+              <a:gd name="connsiteX6" fmla="*/ 0 w 3871489"/>
+              <a:gd name="connsiteY6" fmla="*/ 3842618 h 4096327"/>
+              <a:gd name="connsiteX7" fmla="*/ 0 w 3871489"/>
+              <a:gd name="connsiteY7" fmla="*/ 2741475 h 4096327"/>
+              <a:gd name="connsiteX8" fmla="*/ 6615 w 3871489"/>
+              <a:gd name="connsiteY8" fmla="*/ 2747487 h 4096327"/>
+              <a:gd name="connsiteX9" fmla="*/ 1143485 w 3871489"/>
+              <a:gd name="connsiteY9" fmla="*/ 3155655 h 4096327"/>
+              <a:gd name="connsiteX10" fmla="*/ 2930817 w 3871489"/>
+              <a:gd name="connsiteY10" fmla="*/ 1368323 h 4096327"/>
+              <a:gd name="connsiteX11" fmla="*/ 2407287 w 3871489"/>
+              <a:gd name="connsiteY11" fmla="*/ 104524 h 4096327"/>
+            </a:gdLst>
+            <a:ahLst/>
+            <a:cxnLst>
+              <a:cxn ang="0">
+                <a:pos x="connsiteX0" y="connsiteY0"/>
+              </a:cxn>
+              <a:cxn ang="0">
+                <a:pos x="connsiteX1" y="connsiteY1"/>
+              </a:cxn>
+              <a:cxn ang="0">
+                <a:pos x="connsiteX2" y="connsiteY2"/>
+              </a:cxn>
+              <a:cxn ang="0">
+                <a:pos x="connsiteX3" y="connsiteY3"/>
+              </a:cxn>
+              <a:cxn ang="0">
+                <a:pos x="connsiteX4" y="connsiteY4"/>
+              </a:cxn>
+              <a:cxn ang="0">
+                <a:pos x="connsiteX5" y="connsiteY5"/>
+              </a:cxn>
+              <a:cxn ang="0">
+                <a:pos x="connsiteX6" y="connsiteY6"/>
+              </a:cxn>
+              <a:cxn ang="0">
+                <a:pos x="connsiteX7" y="connsiteY7"/>
+              </a:cxn>
+              <a:cxn ang="0">
+                <a:pos x="connsiteX8" y="connsiteY8"/>
+              </a:cxn>
+              <a:cxn ang="0">
+                <a:pos x="connsiteX9" y="connsiteY9"/>
+              </a:cxn>
+              <a:cxn ang="0">
+                <a:pos x="connsiteX10" y="connsiteY10"/>
+              </a:cxn>
+              <a:cxn ang="0">
+                <a:pos x="connsiteX11" y="connsiteY11"/>
+              </a:cxn>
+            </a:cxnLst>
+            <a:rect l="l" t="t" r="r" b="b"/>
+            <a:pathLst>
+              <a:path w="3871489" h="4096327">
+                <a:moveTo>
+                  <a:pt x="2292284" y="0"/>
+                </a:moveTo>
+                <a:lnTo>
+                  <a:pt x="3500914" y="0"/>
+                </a:lnTo>
+                <a:lnTo>
+                  <a:pt x="3542229" y="68006"/>
+                </a:lnTo>
+                <a:cubicBezTo>
+                  <a:pt x="3752213" y="454545"/>
+                  <a:pt x="3871489" y="897507"/>
+                  <a:pt x="3871489" y="1368323"/>
+                </a:cubicBezTo>
+                <a:cubicBezTo>
+                  <a:pt x="3871489" y="2874936"/>
+                  <a:pt x="2650098" y="4096327"/>
+                  <a:pt x="1143485" y="4096327"/>
+                </a:cubicBezTo>
+                <a:cubicBezTo>
+                  <a:pt x="766832" y="4096327"/>
+                  <a:pt x="408006" y="4019990"/>
+                  <a:pt x="81633" y="3881944"/>
+                </a:cubicBezTo>
+                <a:lnTo>
+                  <a:pt x="0" y="3842618"/>
+                </a:lnTo>
+                <a:lnTo>
+                  <a:pt x="0" y="2741475"/>
+                </a:lnTo>
+                <a:lnTo>
+                  <a:pt x="6615" y="2747487"/>
+                </a:lnTo>
+                <a:cubicBezTo>
+                  <a:pt x="315579" y="3002472"/>
+                  <a:pt x="711663" y="3155655"/>
+                  <a:pt x="1143485" y="3155655"/>
+                </a:cubicBezTo>
+                <a:cubicBezTo>
+                  <a:pt x="2130515" y="3155655"/>
+                  <a:pt x="2930817" y="2355353"/>
+                  <a:pt x="2930817" y="1368323"/>
+                </a:cubicBezTo>
+                <a:cubicBezTo>
+                  <a:pt x="2930817" y="874812"/>
+                  <a:pt x="2730741" y="427979"/>
+                  <a:pt x="2407287" y="104524"/>
+                </a:cubicBezTo>
+                <a:close/>
+              </a:path>
+            </a:pathLst>
+          </a:custGeom>
+          <a:solidFill>
+            <a:srgbClr val="FFFFFF"/>
+          </a:solidFill>
+          <a:ln w="28575">
+            <a:noFill/>
+          </a:ln>
+        </p:spPr>
+        <p:style>
+          <a:lnRef idx="2">
+            <a:schemeClr val="accent1">
+              <a:shade val="50000"/>
+            </a:schemeClr>
+          </a:lnRef>
+          <a:fillRef idx="1">
+            <a:schemeClr val="accent1"/>
+          </a:fillRef>
+          <a:effectRef idx="0">
+            <a:schemeClr val="accent1"/>
+          </a:effectRef>
+          <a:fontRef idx="minor">
+            <a:schemeClr val="lt1"/>
+          </a:fontRef>
+        </p:style>
+        <p:txBody>
+          <a:bodyPr rot="0" spcFirstLastPara="0" vertOverflow="overflow" horzOverflow="overflow" vert="horz" wrap="square" lIns="91440" tIns="45720" rIns="91440" bIns="45720" numCol="1" spcCol="0" rtlCol="0" fromWordArt="0" anchor="ctr" anchorCtr="0" forceAA="0" compatLnSpc="1">
+            <a:prstTxWarp prst="textNoShape">
+              <a:avLst/>
+            </a:prstTxWarp>
+            <a:noAutofit/>
+          </a:bodyPr>
+          <a:lstStyle/>
+          <a:p>
+            <a:pPr algn="ctr"/>
+            <a:endParaRPr lang="en-US">
+              <a:solidFill>
+                <a:schemeClr val="accent1"/>
+              </a:solidFill>
+            </a:endParaRPr>
+          </a:p>
+        </p:txBody>
+      </p:sp>
+      <p:sp>
+        <p:nvSpPr>
+          <p:cNvPr id="52" name="Freeform: Shape 51">
+            <a:extLst>
+              <a:ext uri="{FF2B5EF4-FFF2-40B4-BE49-F238E27FC236}">
+                <a16:creationId xmlns:a16="http://schemas.microsoft.com/office/drawing/2014/main" id="{11C51958-04D4-4687-95A2-95DCDCF47464}"/>
+              </a:ext>
+              <a:ext uri="{C183D7F6-B498-43B3-948B-1728B52AA6E4}">
+                <adec:decorative xmlns:adec="http://schemas.microsoft.com/office/drawing/2017/decorative" val="1"/>
+              </a:ext>
+            </a:extLst>
+          </p:cNvPr>
+          <p:cNvSpPr>
+            <a:spLocks noGrp="1" noRot="1" noChangeAspect="1" noMove="1" noResize="1" noEditPoints="1" noAdjustHandles="1" noChangeArrowheads="1" noChangeShapeType="1" noTextEdit="1"/>
+          </p:cNvSpPr>
+          <p:nvPr>
+            <p:extLst>
+              <p:ext uri="{386F3935-93C4-4BCD-93E2-E3B085C9AB24}">
+                <p16:designElem xmlns:p16="http://schemas.microsoft.com/office/powerpoint/2015/main" val="1"/>
+              </p:ext>
+            </p:extLst>
+          </p:nvPr>
+        </p:nvSpPr>
+        <p:spPr>
+          <a:xfrm>
+            <a:off x="1" y="2"/>
+            <a:ext cx="2232251" cy="2361890"/>
+          </a:xfrm>
+          <a:custGeom>
+            <a:avLst/>
+            <a:gdLst>
+              <a:gd name="connsiteX0" fmla="*/ 2292284 w 3871489"/>
+              <a:gd name="connsiteY0" fmla="*/ 0 h 4096327"/>
+              <a:gd name="connsiteX1" fmla="*/ 3500914 w 3871489"/>
+              <a:gd name="connsiteY1" fmla="*/ 0 h 4096327"/>
+              <a:gd name="connsiteX2" fmla="*/ 3542229 w 3871489"/>
+              <a:gd name="connsiteY2" fmla="*/ 68006 h 4096327"/>
+              <a:gd name="connsiteX3" fmla="*/ 3871489 w 3871489"/>
+              <a:gd name="connsiteY3" fmla="*/ 1368323 h 4096327"/>
+              <a:gd name="connsiteX4" fmla="*/ 1143485 w 3871489"/>
+              <a:gd name="connsiteY4" fmla="*/ 4096327 h 4096327"/>
+              <a:gd name="connsiteX5" fmla="*/ 81633 w 3871489"/>
+              <a:gd name="connsiteY5" fmla="*/ 3881944 h 4096327"/>
+              <a:gd name="connsiteX6" fmla="*/ 0 w 3871489"/>
+              <a:gd name="connsiteY6" fmla="*/ 3842618 h 4096327"/>
+              <a:gd name="connsiteX7" fmla="*/ 0 w 3871489"/>
+              <a:gd name="connsiteY7" fmla="*/ 2741475 h 4096327"/>
+              <a:gd name="connsiteX8" fmla="*/ 6615 w 3871489"/>
+              <a:gd name="connsiteY8" fmla="*/ 2747487 h 4096327"/>
+              <a:gd name="connsiteX9" fmla="*/ 1143485 w 3871489"/>
+              <a:gd name="connsiteY9" fmla="*/ 3155655 h 4096327"/>
+              <a:gd name="connsiteX10" fmla="*/ 2930817 w 3871489"/>
+              <a:gd name="connsiteY10" fmla="*/ 1368323 h 4096327"/>
+              <a:gd name="connsiteX11" fmla="*/ 2407287 w 3871489"/>
+              <a:gd name="connsiteY11" fmla="*/ 104524 h 4096327"/>
+            </a:gdLst>
+            <a:ahLst/>
+            <a:cxnLst>
+              <a:cxn ang="0">
+                <a:pos x="connsiteX0" y="connsiteY0"/>
+              </a:cxn>
+              <a:cxn ang="0">
+                <a:pos x="connsiteX1" y="connsiteY1"/>
+              </a:cxn>
+              <a:cxn ang="0">
+                <a:pos x="connsiteX2" y="connsiteY2"/>
+              </a:cxn>
+              <a:cxn ang="0">
+                <a:pos x="connsiteX3" y="connsiteY3"/>
+              </a:cxn>
+              <a:cxn ang="0">
+                <a:pos x="connsiteX4" y="connsiteY4"/>
+              </a:cxn>
+              <a:cxn ang="0">
+                <a:pos x="connsiteX5" y="connsiteY5"/>
+              </a:cxn>
+              <a:cxn ang="0">
+                <a:pos x="connsiteX6" y="connsiteY6"/>
+              </a:cxn>
+              <a:cxn ang="0">
+                <a:pos x="connsiteX7" y="connsiteY7"/>
+              </a:cxn>
+              <a:cxn ang="0">
+                <a:pos x="connsiteX8" y="connsiteY8"/>
+              </a:cxn>
+              <a:cxn ang="0">
+                <a:pos x="connsiteX9" y="connsiteY9"/>
+              </a:cxn>
+              <a:cxn ang="0">
+                <a:pos x="connsiteX10" y="connsiteY10"/>
+              </a:cxn>
+              <a:cxn ang="0">
+                <a:pos x="connsiteX11" y="connsiteY11"/>
+              </a:cxn>
+            </a:cxnLst>
+            <a:rect l="l" t="t" r="r" b="b"/>
+            <a:pathLst>
+              <a:path w="3871489" h="4096327">
+                <a:moveTo>
+                  <a:pt x="2292284" y="0"/>
+                </a:moveTo>
+                <a:lnTo>
+                  <a:pt x="3500914" y="0"/>
+                </a:lnTo>
+                <a:lnTo>
+                  <a:pt x="3542229" y="68006"/>
+                </a:lnTo>
+                <a:cubicBezTo>
+                  <a:pt x="3752213" y="454545"/>
+                  <a:pt x="3871489" y="897507"/>
+                  <a:pt x="3871489" y="1368323"/>
+                </a:cubicBezTo>
+                <a:cubicBezTo>
+                  <a:pt x="3871489" y="2874936"/>
+                  <a:pt x="2650098" y="4096327"/>
+                  <a:pt x="1143485" y="4096327"/>
+                </a:cubicBezTo>
+                <a:cubicBezTo>
+                  <a:pt x="766832" y="4096327"/>
+                  <a:pt x="408006" y="4019990"/>
+                  <a:pt x="81633" y="3881944"/>
+                </a:cubicBezTo>
+                <a:lnTo>
+                  <a:pt x="0" y="3842618"/>
+                </a:lnTo>
+                <a:lnTo>
+                  <a:pt x="0" y="2741475"/>
+                </a:lnTo>
+                <a:lnTo>
+                  <a:pt x="6615" y="2747487"/>
+                </a:lnTo>
+                <a:cubicBezTo>
+                  <a:pt x="315579" y="3002472"/>
+                  <a:pt x="711663" y="3155655"/>
+                  <a:pt x="1143485" y="3155655"/>
+                </a:cubicBezTo>
+                <a:cubicBezTo>
+                  <a:pt x="2130515" y="3155655"/>
+                  <a:pt x="2930817" y="2355353"/>
+                  <a:pt x="2930817" y="1368323"/>
+                </a:cubicBezTo>
+                <a:cubicBezTo>
+                  <a:pt x="2930817" y="874812"/>
+                  <a:pt x="2730741" y="427979"/>
+                  <a:pt x="2407287" y="104524"/>
+                </a:cubicBezTo>
+                <a:close/>
+              </a:path>
+            </a:pathLst>
+          </a:custGeom>
+          <a:solidFill>
+            <a:schemeClr val="accent6">
+              <a:alpha val="30000"/>
+            </a:schemeClr>
+          </a:solidFill>
+          <a:ln w="28575">
+            <a:noFill/>
+          </a:ln>
+        </p:spPr>
+        <p:style>
+          <a:lnRef idx="2">
+            <a:schemeClr val="accent1">
+              <a:shade val="50000"/>
+            </a:schemeClr>
+          </a:lnRef>
+          <a:fillRef idx="1">
+            <a:schemeClr val="accent1"/>
+          </a:fillRef>
+          <a:effectRef idx="0">
+            <a:schemeClr val="accent1"/>
+          </a:effectRef>
+          <a:fontRef idx="minor">
+            <a:schemeClr val="lt1"/>
+          </a:fontRef>
+        </p:style>
+        <p:txBody>
+          <a:bodyPr rot="0" spcFirstLastPara="0" vertOverflow="overflow" horzOverflow="overflow" vert="horz" wrap="square" lIns="91440" tIns="45720" rIns="91440" bIns="45720" numCol="1" spcCol="0" rtlCol="0" fromWordArt="0" anchor="ctr" anchorCtr="0" forceAA="0" compatLnSpc="1">
+            <a:prstTxWarp prst="textNoShape">
+              <a:avLst/>
+            </a:prstTxWarp>
+            <a:noAutofit/>
+          </a:bodyPr>
+          <a:lstStyle/>
+          <a:p>
+            <a:pPr algn="ctr"/>
+            <a:endParaRPr lang="en-US">
+              <a:solidFill>
+                <a:schemeClr val="accent1"/>
+              </a:solidFill>
+            </a:endParaRPr>
+          </a:p>
+        </p:txBody>
+      </p:sp>
+      <p:sp>
+        <p:nvSpPr>
+          <p:cNvPr id="54" name="Freeform: Shape 53">
+            <a:extLst>
+              <a:ext uri="{FF2B5EF4-FFF2-40B4-BE49-F238E27FC236}">
+                <a16:creationId xmlns:a16="http://schemas.microsoft.com/office/drawing/2014/main" id="{79AFCB35-9C04-4524-A0B1-57FF6865D013}"/>
+              </a:ext>
+              <a:ext uri="{C183D7F6-B498-43B3-948B-1728B52AA6E4}">
+                <adec:decorative xmlns:adec="http://schemas.microsoft.com/office/drawing/2017/decorative" val="1"/>
+              </a:ext>
+            </a:extLst>
+          </p:cNvPr>
+          <p:cNvSpPr>
+            <a:spLocks noGrp="1" noRot="1" noChangeAspect="1" noMove="1" noResize="1" noEditPoints="1" noAdjustHandles="1" noChangeArrowheads="1" noChangeShapeType="1" noTextEdit="1"/>
+          </p:cNvSpPr>
+          <p:nvPr>
+            <p:extLst>
+              <p:ext uri="{386F3935-93C4-4BCD-93E2-E3B085C9AB24}">
+                <p16:designElem xmlns:p16="http://schemas.microsoft.com/office/powerpoint/2015/main" val="1"/>
+              </p:ext>
+            </p:extLst>
+          </p:nvPr>
+        </p:nvSpPr>
+        <p:spPr>
+          <a:xfrm>
+            <a:off x="0" y="292656"/>
+            <a:ext cx="1861854" cy="277779"/>
+          </a:xfrm>
+          <a:custGeom>
+            <a:avLst/>
+            <a:gdLst>
+              <a:gd name="connsiteX0" fmla="*/ 180458 w 1861854"/>
+              <a:gd name="connsiteY0" fmla="*/ 0 h 277779"/>
+              <a:gd name="connsiteX1" fmla="*/ 419222 w 1861854"/>
+              <a:gd name="connsiteY1" fmla="*/ 238761 h 277779"/>
+              <a:gd name="connsiteX2" fmla="*/ 657984 w 1861854"/>
+              <a:gd name="connsiteY2" fmla="*/ 0 h 277779"/>
+              <a:gd name="connsiteX3" fmla="*/ 896745 w 1861854"/>
+              <a:gd name="connsiteY3" fmla="*/ 238761 h 277779"/>
+              <a:gd name="connsiteX4" fmla="*/ 1135754 w 1861854"/>
+              <a:gd name="connsiteY4" fmla="*/ 0 h 277779"/>
+              <a:gd name="connsiteX5" fmla="*/ 1374516 w 1861854"/>
+              <a:gd name="connsiteY5" fmla="*/ 238761 h 277779"/>
+              <a:gd name="connsiteX6" fmla="*/ 1613277 w 1861854"/>
+              <a:gd name="connsiteY6" fmla="*/ 0 h 277779"/>
+              <a:gd name="connsiteX7" fmla="*/ 1861854 w 1861854"/>
+              <a:gd name="connsiteY7" fmla="*/ 248577 h 277779"/>
+              <a:gd name="connsiteX8" fmla="*/ 1842470 w 1861854"/>
+              <a:gd name="connsiteY8" fmla="*/ 267963 h 277779"/>
+              <a:gd name="connsiteX9" fmla="*/ 1613277 w 1861854"/>
+              <a:gd name="connsiteY9" fmla="*/ 39017 h 277779"/>
+              <a:gd name="connsiteX10" fmla="*/ 1374516 w 1861854"/>
+              <a:gd name="connsiteY10" fmla="*/ 277779 h 277779"/>
+              <a:gd name="connsiteX11" fmla="*/ 1135754 w 1861854"/>
+              <a:gd name="connsiteY11" fmla="*/ 39017 h 277779"/>
+              <a:gd name="connsiteX12" fmla="*/ 896745 w 1861854"/>
+              <a:gd name="connsiteY12" fmla="*/ 277779 h 277779"/>
+              <a:gd name="connsiteX13" fmla="*/ 657984 w 1861854"/>
+              <a:gd name="connsiteY13" fmla="*/ 39017 h 277779"/>
+              <a:gd name="connsiteX14" fmla="*/ 419222 w 1861854"/>
+              <a:gd name="connsiteY14" fmla="*/ 277779 h 277779"/>
+              <a:gd name="connsiteX15" fmla="*/ 180458 w 1861854"/>
+              <a:gd name="connsiteY15" fmla="*/ 39017 h 277779"/>
+              <a:gd name="connsiteX16" fmla="*/ 0 w 1861854"/>
+              <a:gd name="connsiteY16" fmla="*/ 219283 h 277779"/>
+              <a:gd name="connsiteX17" fmla="*/ 0 w 1861854"/>
+              <a:gd name="connsiteY17" fmla="*/ 180458 h 277779"/>
+            </a:gdLst>
+            <a:ahLst/>
+            <a:cxnLst>
+              <a:cxn ang="0">
+                <a:pos x="connsiteX0" y="connsiteY0"/>
+              </a:cxn>
+              <a:cxn ang="0">
+                <a:pos x="connsiteX1" y="connsiteY1"/>
+              </a:cxn>
+              <a:cxn ang="0">
+                <a:pos x="connsiteX2" y="connsiteY2"/>
+              </a:cxn>
+              <a:cxn ang="0">
+                <a:pos x="connsiteX3" y="connsiteY3"/>
+              </a:cxn>
+              <a:cxn ang="0">
+                <a:pos x="connsiteX4" y="connsiteY4"/>
+              </a:cxn>
+              <a:cxn ang="0">
+                <a:pos x="connsiteX5" y="connsiteY5"/>
+              </a:cxn>
+              <a:cxn ang="0">
+                <a:pos x="connsiteX6" y="connsiteY6"/>
+              </a:cxn>
+              <a:cxn ang="0">
+                <a:pos x="connsiteX7" y="connsiteY7"/>
+              </a:cxn>
+              <a:cxn ang="0">
+                <a:pos x="connsiteX8" y="connsiteY8"/>
+              </a:cxn>
+              <a:cxn ang="0">
+                <a:pos x="connsiteX9" y="connsiteY9"/>
+              </a:cxn>
+              <a:cxn ang="0">
+                <a:pos x="connsiteX10" y="connsiteY10"/>
+              </a:cxn>
+              <a:cxn ang="0">
+                <a:pos x="connsiteX11" y="connsiteY11"/>
+              </a:cxn>
+              <a:cxn ang="0">
+                <a:pos x="connsiteX12" y="connsiteY12"/>
+              </a:cxn>
+              <a:cxn ang="0">
+                <a:pos x="connsiteX13" y="connsiteY13"/>
+              </a:cxn>
+              <a:cxn ang="0">
+                <a:pos x="connsiteX14" y="connsiteY14"/>
+              </a:cxn>
+              <a:cxn ang="0">
+                <a:pos x="connsiteX15" y="connsiteY15"/>
+              </a:cxn>
+              <a:cxn ang="0">
+                <a:pos x="connsiteX16" y="connsiteY16"/>
+              </a:cxn>
+              <a:cxn ang="0">
+                <a:pos x="connsiteX17" y="connsiteY17"/>
+              </a:cxn>
+            </a:cxnLst>
+            <a:rect l="l" t="t" r="r" b="b"/>
+            <a:pathLst>
+              <a:path w="1861854" h="277779">
+                <a:moveTo>
+                  <a:pt x="180458" y="0"/>
+                </a:moveTo>
+                <a:lnTo>
+                  <a:pt x="419222" y="238761"/>
+                </a:lnTo>
+                <a:lnTo>
+                  <a:pt x="657984" y="0"/>
+                </a:lnTo>
+                <a:lnTo>
+                  <a:pt x="896745" y="238761"/>
+                </a:lnTo>
+                <a:lnTo>
+                  <a:pt x="1135754" y="0"/>
+                </a:lnTo>
+                <a:lnTo>
+                  <a:pt x="1374516" y="238761"/>
+                </a:lnTo>
+                <a:lnTo>
+                  <a:pt x="1613277" y="0"/>
+                </a:lnTo>
+                <a:lnTo>
+                  <a:pt x="1861854" y="248577"/>
+                </a:lnTo>
+                <a:lnTo>
+                  <a:pt x="1842470" y="267963"/>
+                </a:lnTo>
+                <a:lnTo>
+                  <a:pt x="1613277" y="39017"/>
+                </a:lnTo>
+                <a:lnTo>
+                  <a:pt x="1374516" y="277779"/>
+                </a:lnTo>
+                <a:lnTo>
+                  <a:pt x="1135754" y="39017"/>
+                </a:lnTo>
+                <a:lnTo>
+                  <a:pt x="896745" y="277779"/>
+                </a:lnTo>
+                <a:lnTo>
+                  <a:pt x="657984" y="39017"/>
+                </a:lnTo>
+                <a:lnTo>
+                  <a:pt x="419222" y="277779"/>
+                </a:lnTo>
+                <a:lnTo>
+                  <a:pt x="180458" y="39017"/>
+                </a:lnTo>
+                <a:lnTo>
+                  <a:pt x="0" y="219283"/>
+                </a:lnTo>
+                <a:lnTo>
+                  <a:pt x="0" y="180458"/>
+                </a:lnTo>
+                <a:close/>
+              </a:path>
+            </a:pathLst>
+          </a:custGeom>
+          <a:solidFill>
+            <a:schemeClr val="bg1"/>
+          </a:solidFill>
+          <a:ln w="9525" cap="flat">
+            <a:noFill/>
+            <a:prstDash val="solid"/>
+            <a:miter/>
+          </a:ln>
+        </p:spPr>
+        <p:txBody>
+          <a:bodyPr wrap="square" rtlCol="0" anchor="ctr">
+            <a:noAutofit/>
+          </a:bodyPr>
+          <a:lstStyle/>
+          <a:p>
+            <a:endParaRPr lang="en-US"/>
+          </a:p>
+        </p:txBody>
+      </p:sp>
+      <p:sp>
+        <p:nvSpPr>
+          <p:cNvPr id="56" name="Freeform: Shape 55">
+            <a:extLst>
+              <a:ext uri="{FF2B5EF4-FFF2-40B4-BE49-F238E27FC236}">
+                <a16:creationId xmlns:a16="http://schemas.microsoft.com/office/drawing/2014/main" id="{D11AD2AD-0BA0-4DD3-8EEA-84686A0E718C}"/>
+              </a:ext>
+              <a:ext uri="{C183D7F6-B498-43B3-948B-1728B52AA6E4}">
+                <adec:decorative xmlns:adec="http://schemas.microsoft.com/office/drawing/2017/decorative" val="1"/>
+              </a:ext>
+            </a:extLst>
+          </p:cNvPr>
+          <p:cNvSpPr>
+            <a:spLocks noGrp="1" noRot="1" noChangeAspect="1" noMove="1" noResize="1" noEditPoints="1" noAdjustHandles="1" noChangeArrowheads="1" noChangeShapeType="1" noTextEdit="1"/>
+          </p:cNvSpPr>
+          <p:nvPr>
+            <p:extLst>
+              <p:ext uri="{386F3935-93C4-4BCD-93E2-E3B085C9AB24}">
+                <p16:designElem xmlns:p16="http://schemas.microsoft.com/office/powerpoint/2015/main" val="1"/>
+              </p:ext>
+            </p:extLst>
+          </p:nvPr>
+        </p:nvSpPr>
+        <p:spPr>
+          <a:xfrm>
+            <a:off x="0" y="732391"/>
+            <a:ext cx="1861854" cy="277779"/>
+          </a:xfrm>
+          <a:custGeom>
+            <a:avLst/>
+            <a:gdLst>
+              <a:gd name="connsiteX0" fmla="*/ 180458 w 1861854"/>
+              <a:gd name="connsiteY0" fmla="*/ 0 h 277779"/>
+              <a:gd name="connsiteX1" fmla="*/ 419222 w 1861854"/>
+              <a:gd name="connsiteY1" fmla="*/ 238761 h 277779"/>
+              <a:gd name="connsiteX2" fmla="*/ 657984 w 1861854"/>
+              <a:gd name="connsiteY2" fmla="*/ 0 h 277779"/>
+              <a:gd name="connsiteX3" fmla="*/ 896745 w 1861854"/>
+              <a:gd name="connsiteY3" fmla="*/ 238761 h 277779"/>
+              <a:gd name="connsiteX4" fmla="*/ 1135754 w 1861854"/>
+              <a:gd name="connsiteY4" fmla="*/ 0 h 277779"/>
+              <a:gd name="connsiteX5" fmla="*/ 1374516 w 1861854"/>
+              <a:gd name="connsiteY5" fmla="*/ 238761 h 277779"/>
+              <a:gd name="connsiteX6" fmla="*/ 1613277 w 1861854"/>
+              <a:gd name="connsiteY6" fmla="*/ 0 h 277779"/>
+              <a:gd name="connsiteX7" fmla="*/ 1861854 w 1861854"/>
+              <a:gd name="connsiteY7" fmla="*/ 248577 h 277779"/>
+              <a:gd name="connsiteX8" fmla="*/ 1842470 w 1861854"/>
+              <a:gd name="connsiteY8" fmla="*/ 268208 h 277779"/>
+              <a:gd name="connsiteX9" fmla="*/ 1613277 w 1861854"/>
+              <a:gd name="connsiteY9" fmla="*/ 39017 h 277779"/>
+              <a:gd name="connsiteX10" fmla="*/ 1374516 w 1861854"/>
+              <a:gd name="connsiteY10" fmla="*/ 277779 h 277779"/>
+              <a:gd name="connsiteX11" fmla="*/ 1135754 w 1861854"/>
+              <a:gd name="connsiteY11" fmla="*/ 39017 h 277779"/>
+              <a:gd name="connsiteX12" fmla="*/ 896745 w 1861854"/>
+              <a:gd name="connsiteY12" fmla="*/ 277779 h 277779"/>
+              <a:gd name="connsiteX13" fmla="*/ 657984 w 1861854"/>
+              <a:gd name="connsiteY13" fmla="*/ 39017 h 277779"/>
+              <a:gd name="connsiteX14" fmla="*/ 419222 w 1861854"/>
+              <a:gd name="connsiteY14" fmla="*/ 277779 h 277779"/>
+              <a:gd name="connsiteX15" fmla="*/ 180458 w 1861854"/>
+              <a:gd name="connsiteY15" fmla="*/ 39017 h 277779"/>
+              <a:gd name="connsiteX16" fmla="*/ 0 w 1861854"/>
+              <a:gd name="connsiteY16" fmla="*/ 219475 h 277779"/>
+              <a:gd name="connsiteX17" fmla="*/ 0 w 1861854"/>
+              <a:gd name="connsiteY17" fmla="*/ 180458 h 277779"/>
+            </a:gdLst>
+            <a:ahLst/>
+            <a:cxnLst>
+              <a:cxn ang="0">
+                <a:pos x="connsiteX0" y="connsiteY0"/>
+              </a:cxn>
+              <a:cxn ang="0">
+                <a:pos x="connsiteX1" y="connsiteY1"/>
+              </a:cxn>
+              <a:cxn ang="0">
+                <a:pos x="connsiteX2" y="connsiteY2"/>
+              </a:cxn>
+              <a:cxn ang="0">
+                <a:pos x="connsiteX3" y="connsiteY3"/>
+              </a:cxn>
+              <a:cxn ang="0">
+                <a:pos x="connsiteX4" y="connsiteY4"/>
+              </a:cxn>
+              <a:cxn ang="0">
+                <a:pos x="connsiteX5" y="connsiteY5"/>
+              </a:cxn>
+              <a:cxn ang="0">
+                <a:pos x="connsiteX6" y="connsiteY6"/>
+              </a:cxn>
+              <a:cxn ang="0">
+                <a:pos x="connsiteX7" y="connsiteY7"/>
+              </a:cxn>
+              <a:cxn ang="0">
+                <a:pos x="connsiteX8" y="connsiteY8"/>
+              </a:cxn>
+              <a:cxn ang="0">
+                <a:pos x="connsiteX9" y="connsiteY9"/>
+              </a:cxn>
+              <a:cxn ang="0">
+                <a:pos x="connsiteX10" y="connsiteY10"/>
+              </a:cxn>
+              <a:cxn ang="0">
+                <a:pos x="connsiteX11" y="connsiteY11"/>
+              </a:cxn>
+              <a:cxn ang="0">
+                <a:pos x="connsiteX12" y="connsiteY12"/>
+              </a:cxn>
+              <a:cxn ang="0">
+                <a:pos x="connsiteX13" y="connsiteY13"/>
+              </a:cxn>
+              <a:cxn ang="0">
+                <a:pos x="connsiteX14" y="connsiteY14"/>
+              </a:cxn>
+              <a:cxn ang="0">
+                <a:pos x="connsiteX15" y="connsiteY15"/>
+              </a:cxn>
+              <a:cxn ang="0">
+                <a:pos x="connsiteX16" y="connsiteY16"/>
+              </a:cxn>
+              <a:cxn ang="0">
+                <a:pos x="connsiteX17" y="connsiteY17"/>
+              </a:cxn>
+            </a:cxnLst>
+            <a:rect l="l" t="t" r="r" b="b"/>
+            <a:pathLst>
+              <a:path w="1861854" h="277779">
+                <a:moveTo>
+                  <a:pt x="180458" y="0"/>
+                </a:moveTo>
+                <a:lnTo>
+                  <a:pt x="419222" y="238761"/>
+                </a:lnTo>
+                <a:lnTo>
+                  <a:pt x="657984" y="0"/>
+                </a:lnTo>
+                <a:lnTo>
+                  <a:pt x="896745" y="238761"/>
+                </a:lnTo>
+                <a:lnTo>
+                  <a:pt x="1135754" y="0"/>
+                </a:lnTo>
+                <a:lnTo>
+                  <a:pt x="1374516" y="238761"/>
+                </a:lnTo>
+                <a:lnTo>
+                  <a:pt x="1613277" y="0"/>
+                </a:lnTo>
+                <a:lnTo>
+                  <a:pt x="1861854" y="248577"/>
+                </a:lnTo>
+                <a:lnTo>
+                  <a:pt x="1842470" y="268208"/>
+                </a:lnTo>
+                <a:lnTo>
+                  <a:pt x="1613277" y="39017"/>
+                </a:lnTo>
+                <a:lnTo>
+                  <a:pt x="1374516" y="277779"/>
+                </a:lnTo>
+                <a:lnTo>
+                  <a:pt x="1135754" y="39017"/>
+                </a:lnTo>
+                <a:lnTo>
+                  <a:pt x="896745" y="277779"/>
+                </a:lnTo>
+                <a:lnTo>
+                  <a:pt x="657984" y="39017"/>
+                </a:lnTo>
+                <a:lnTo>
+                  <a:pt x="419222" y="277779"/>
+                </a:lnTo>
+                <a:lnTo>
+                  <a:pt x="180458" y="39017"/>
+                </a:lnTo>
+                <a:lnTo>
+                  <a:pt x="0" y="219475"/>
+                </a:lnTo>
+                <a:lnTo>
+                  <a:pt x="0" y="180458"/>
+                </a:lnTo>
+                <a:close/>
+              </a:path>
+            </a:pathLst>
+          </a:custGeom>
+          <a:solidFill>
+            <a:schemeClr val="bg1"/>
+          </a:solidFill>
+          <a:ln w="9525" cap="flat">
+            <a:noFill/>
+            <a:prstDash val="solid"/>
+            <a:miter/>
+          </a:ln>
+        </p:spPr>
+        <p:txBody>
+          <a:bodyPr wrap="square" rtlCol="0" anchor="ctr">
+            <a:noAutofit/>
+          </a:bodyPr>
+          <a:lstStyle/>
+          <a:p>
+            <a:endParaRPr lang="en-US"/>
+          </a:p>
+        </p:txBody>
+      </p:sp>
+      <p:grpSp>
+        <p:nvGrpSpPr>
+          <p:cNvPr id="58" name="Graphic 185">
+            <a:extLst>
+              <a:ext uri="{FF2B5EF4-FFF2-40B4-BE49-F238E27FC236}">
+                <a16:creationId xmlns:a16="http://schemas.microsoft.com/office/drawing/2014/main" id="{0C156BF8-7FF7-440F-BE2B-417DFFE8BFA5}"/>
+              </a:ext>
+              <a:ext uri="{C183D7F6-B498-43B3-948B-1728B52AA6E4}">
+                <adec:decorative xmlns:adec="http://schemas.microsoft.com/office/drawing/2017/decorative" val="1"/>
+              </a:ext>
+            </a:extLst>
+          </p:cNvPr>
+          <p:cNvGrpSpPr>
+            <a:grpSpLocks noGrp="1" noUngrp="1" noRot="1" noChangeAspect="1" noMove="1" noResize="1"/>
+          </p:cNvGrpSpPr>
+          <p:nvPr>
+            <p:extLst>
+              <p:ext uri="{386F3935-93C4-4BCD-93E2-E3B085C9AB24}">
+                <p16:designElem xmlns:p16="http://schemas.microsoft.com/office/powerpoint/2015/main" val="1"/>
+              </p:ext>
+            </p:extLst>
+          </p:nvPr>
+        </p:nvGrpSpPr>
+        <p:grpSpPr>
+          <a:xfrm>
+            <a:off x="10428634" y="5987064"/>
+            <a:ext cx="1054466" cy="469689"/>
+            <a:chOff x="9841624" y="4115729"/>
+            <a:chExt cx="602169" cy="268223"/>
+          </a:xfrm>
+          <a:solidFill>
+            <a:schemeClr val="bg1"/>
+          </a:solidFill>
+        </p:grpSpPr>
+        <p:sp>
+          <p:nvSpPr>
+            <p:cNvPr id="45" name="Freeform: Shape 58">
+              <a:extLst>
+                <a:ext uri="{FF2B5EF4-FFF2-40B4-BE49-F238E27FC236}">
+                  <a16:creationId xmlns:a16="http://schemas.microsoft.com/office/drawing/2014/main" id="{B7067280-C3E7-4DF6-A345-B9FEF6EF8D6D}"/>
+                </a:ext>
+                <a:ext uri="{C183D7F6-B498-43B3-948B-1728B52AA6E4}">
+                  <adec:decorative xmlns:adec="http://schemas.microsoft.com/office/drawing/2017/decorative" val="1"/>
+                </a:ext>
+              </a:extLst>
+            </p:cNvPr>
+            <p:cNvSpPr/>
+            <p:nvPr>
+              <p:extLst>
+                <p:ext uri="{386F3935-93C4-4BCD-93E2-E3B085C9AB24}">
+                  <p16:designElem xmlns:p16="http://schemas.microsoft.com/office/powerpoint/2015/main" val="1"/>
+                </p:ext>
+              </p:extLst>
+            </p:nvPr>
+          </p:nvSpPr>
+          <p:spPr>
+            <a:xfrm>
+              <a:off x="9841624" y="4115729"/>
+              <a:ext cx="202882" cy="268223"/>
+            </a:xfrm>
+            <a:custGeom>
+              <a:avLst/>
+              <a:gdLst>
+                <a:gd name="connsiteX0" fmla="*/ 20765 w 202882"/>
+                <a:gd name="connsiteY0" fmla="*/ 268224 h 268223"/>
+                <a:gd name="connsiteX1" fmla="*/ 0 w 202882"/>
+                <a:gd name="connsiteY1" fmla="*/ 268224 h 268223"/>
+                <a:gd name="connsiteX2" fmla="*/ 182118 w 202882"/>
+                <a:gd name="connsiteY2" fmla="*/ 0 h 268223"/>
+                <a:gd name="connsiteX3" fmla="*/ 202883 w 202882"/>
+                <a:gd name="connsiteY3" fmla="*/ 0 h 268223"/>
+              </a:gdLst>
+              <a:ahLst/>
+              <a:cxnLst>
+                <a:cxn ang="0">
+                  <a:pos x="connsiteX0" y="connsiteY0"/>
+                </a:cxn>
+                <a:cxn ang="0">
+                  <a:pos x="connsiteX1" y="connsiteY1"/>
+                </a:cxn>
+                <a:cxn ang="0">
+                  <a:pos x="connsiteX2" y="connsiteY2"/>
+                </a:cxn>
+                <a:cxn ang="0">
+                  <a:pos x="connsiteX3" y="connsiteY3"/>
+                </a:cxn>
+              </a:cxnLst>
+              <a:rect l="l" t="t" r="r" b="b"/>
+              <a:pathLst>
+                <a:path w="202882" h="268223">
+                  <a:moveTo>
+                    <a:pt x="20765" y="268224"/>
+                  </a:moveTo>
+                  <a:lnTo>
+                    <a:pt x="0" y="268224"/>
+                  </a:lnTo>
+                  <a:lnTo>
+                    <a:pt x="182118" y="0"/>
+                  </a:lnTo>
+                  <a:lnTo>
+                    <a:pt x="202883" y="0"/>
+                  </a:lnTo>
+                  <a:close/>
+                </a:path>
+              </a:pathLst>
+            </a:custGeom>
+            <a:grpFill/>
+            <a:ln w="9525" cap="flat">
+              <a:noFill/>
+              <a:prstDash val="solid"/>
+              <a:miter/>
+            </a:ln>
+          </p:spPr>
+          <p:txBody>
+            <a:bodyPr rtlCol="0" anchor="ctr"/>
+            <a:lstStyle/>
+            <a:p>
+              <a:endParaRPr lang="en-US"/>
+            </a:p>
+          </p:txBody>
+        </p:sp>
+        <p:sp>
+          <p:nvSpPr>
+            <p:cNvPr id="46" name="Freeform: Shape 59">
+              <a:extLst>
+                <a:ext uri="{FF2B5EF4-FFF2-40B4-BE49-F238E27FC236}">
+                  <a16:creationId xmlns:a16="http://schemas.microsoft.com/office/drawing/2014/main" id="{A78365A8-666B-4417-9D3C-554E6E6B2C55}"/>
+                </a:ext>
+                <a:ext uri="{C183D7F6-B498-43B3-948B-1728B52AA6E4}">
+                  <adec:decorative xmlns:adec="http://schemas.microsoft.com/office/drawing/2017/decorative" val="1"/>
+                </a:ext>
+              </a:extLst>
+            </p:cNvPr>
+            <p:cNvSpPr/>
+            <p:nvPr>
+              <p:extLst>
+                <p:ext uri="{386F3935-93C4-4BCD-93E2-E3B085C9AB24}">
+                  <p16:designElem xmlns:p16="http://schemas.microsoft.com/office/powerpoint/2015/main" val="1"/>
+                </p:ext>
+              </p:extLst>
+            </p:nvPr>
+          </p:nvSpPr>
+          <p:spPr>
+            <a:xfrm>
+              <a:off x="9941445" y="4115729"/>
+              <a:ext cx="202882" cy="268223"/>
+            </a:xfrm>
+            <a:custGeom>
+              <a:avLst/>
+              <a:gdLst>
+                <a:gd name="connsiteX0" fmla="*/ 20765 w 202882"/>
+                <a:gd name="connsiteY0" fmla="*/ 268224 h 268223"/>
+                <a:gd name="connsiteX1" fmla="*/ 0 w 202882"/>
+                <a:gd name="connsiteY1" fmla="*/ 268224 h 268223"/>
+                <a:gd name="connsiteX2" fmla="*/ 182118 w 202882"/>
+                <a:gd name="connsiteY2" fmla="*/ 0 h 268223"/>
+                <a:gd name="connsiteX3" fmla="*/ 202883 w 202882"/>
+                <a:gd name="connsiteY3" fmla="*/ 0 h 268223"/>
+              </a:gdLst>
+              <a:ahLst/>
+              <a:cxnLst>
+                <a:cxn ang="0">
+                  <a:pos x="connsiteX0" y="connsiteY0"/>
+                </a:cxn>
+                <a:cxn ang="0">
+                  <a:pos x="connsiteX1" y="connsiteY1"/>
+                </a:cxn>
+                <a:cxn ang="0">
+                  <a:pos x="connsiteX2" y="connsiteY2"/>
+                </a:cxn>
+                <a:cxn ang="0">
+                  <a:pos x="connsiteX3" y="connsiteY3"/>
+                </a:cxn>
+              </a:cxnLst>
+              <a:rect l="l" t="t" r="r" b="b"/>
+              <a:pathLst>
+                <a:path w="202882" h="268223">
+                  <a:moveTo>
+                    <a:pt x="20765" y="268224"/>
+                  </a:moveTo>
+                  <a:lnTo>
+                    <a:pt x="0" y="268224"/>
+                  </a:lnTo>
+                  <a:lnTo>
+                    <a:pt x="182118" y="0"/>
+                  </a:lnTo>
+                  <a:lnTo>
+                    <a:pt x="202883" y="0"/>
+                  </a:lnTo>
+                  <a:close/>
+                </a:path>
+              </a:pathLst>
+            </a:custGeom>
+            <a:grpFill/>
+            <a:ln w="9525" cap="flat">
+              <a:noFill/>
+              <a:prstDash val="solid"/>
+              <a:miter/>
+            </a:ln>
+          </p:spPr>
+          <p:txBody>
+            <a:bodyPr rtlCol="0" anchor="ctr"/>
+            <a:lstStyle/>
+            <a:p>
+              <a:endParaRPr lang="en-US"/>
+            </a:p>
+          </p:txBody>
+        </p:sp>
+        <p:sp>
+          <p:nvSpPr>
+            <p:cNvPr id="47" name="Freeform: Shape 60">
+              <a:extLst>
+                <a:ext uri="{FF2B5EF4-FFF2-40B4-BE49-F238E27FC236}">
+                  <a16:creationId xmlns:a16="http://schemas.microsoft.com/office/drawing/2014/main" id="{E71CAAFA-0A31-4308-AB9F-B1C84ABDF9DE}"/>
+                </a:ext>
+                <a:ext uri="{C183D7F6-B498-43B3-948B-1728B52AA6E4}">
+                  <adec:decorative xmlns:adec="http://schemas.microsoft.com/office/drawing/2017/decorative" val="1"/>
+                </a:ext>
+              </a:extLst>
+            </p:cNvPr>
+            <p:cNvSpPr/>
+            <p:nvPr>
+              <p:extLst>
+                <p:ext uri="{386F3935-93C4-4BCD-93E2-E3B085C9AB24}">
+                  <p16:designElem xmlns:p16="http://schemas.microsoft.com/office/powerpoint/2015/main" val="1"/>
+                </p:ext>
+              </p:extLst>
+            </p:nvPr>
+          </p:nvSpPr>
+          <p:spPr>
+            <a:xfrm>
+              <a:off x="10041267" y="4115729"/>
+              <a:ext cx="202882" cy="268223"/>
+            </a:xfrm>
+            <a:custGeom>
+              <a:avLst/>
+              <a:gdLst>
+                <a:gd name="connsiteX0" fmla="*/ 20669 w 202882"/>
+                <a:gd name="connsiteY0" fmla="*/ 268224 h 268223"/>
+                <a:gd name="connsiteX1" fmla="*/ 0 w 202882"/>
+                <a:gd name="connsiteY1" fmla="*/ 268224 h 268223"/>
+                <a:gd name="connsiteX2" fmla="*/ 182118 w 202882"/>
+                <a:gd name="connsiteY2" fmla="*/ 0 h 268223"/>
+                <a:gd name="connsiteX3" fmla="*/ 202883 w 202882"/>
+                <a:gd name="connsiteY3" fmla="*/ 0 h 268223"/>
+              </a:gdLst>
+              <a:ahLst/>
+              <a:cxnLst>
+                <a:cxn ang="0">
+                  <a:pos x="connsiteX0" y="connsiteY0"/>
+                </a:cxn>
+                <a:cxn ang="0">
+                  <a:pos x="connsiteX1" y="connsiteY1"/>
+                </a:cxn>
+                <a:cxn ang="0">
+                  <a:pos x="connsiteX2" y="connsiteY2"/>
+                </a:cxn>
+                <a:cxn ang="0">
+                  <a:pos x="connsiteX3" y="connsiteY3"/>
+                </a:cxn>
+              </a:cxnLst>
+              <a:rect l="l" t="t" r="r" b="b"/>
+              <a:pathLst>
+                <a:path w="202882" h="268223">
+                  <a:moveTo>
+                    <a:pt x="20669" y="268224"/>
+                  </a:moveTo>
+                  <a:lnTo>
+                    <a:pt x="0" y="268224"/>
+                  </a:lnTo>
+                  <a:lnTo>
+                    <a:pt x="182118" y="0"/>
+                  </a:lnTo>
+                  <a:lnTo>
+                    <a:pt x="202883" y="0"/>
+                  </a:lnTo>
+                  <a:close/>
+                </a:path>
+              </a:pathLst>
+            </a:custGeom>
+            <a:grpFill/>
+            <a:ln w="9525" cap="flat">
+              <a:noFill/>
+              <a:prstDash val="solid"/>
+              <a:miter/>
+            </a:ln>
+          </p:spPr>
+          <p:txBody>
+            <a:bodyPr rtlCol="0" anchor="ctr"/>
+            <a:lstStyle/>
+            <a:p>
+              <a:endParaRPr lang="en-US"/>
+            </a:p>
+          </p:txBody>
+        </p:sp>
+        <p:sp>
+          <p:nvSpPr>
+            <p:cNvPr id="49" name="Freeform: Shape 61">
+              <a:extLst>
+                <a:ext uri="{FF2B5EF4-FFF2-40B4-BE49-F238E27FC236}">
+                  <a16:creationId xmlns:a16="http://schemas.microsoft.com/office/drawing/2014/main" id="{96AB1D25-144D-4BB4-A45C-60B8A094F41F}"/>
+                </a:ext>
+                <a:ext uri="{C183D7F6-B498-43B3-948B-1728B52AA6E4}">
+                  <adec:decorative xmlns:adec="http://schemas.microsoft.com/office/drawing/2017/decorative" val="1"/>
+                </a:ext>
+              </a:extLst>
+            </p:cNvPr>
+            <p:cNvSpPr/>
+            <p:nvPr>
+              <p:extLst>
+                <p:ext uri="{386F3935-93C4-4BCD-93E2-E3B085C9AB24}">
+                  <p16:designElem xmlns:p16="http://schemas.microsoft.com/office/powerpoint/2015/main" val="1"/>
+                </p:ext>
+              </p:extLst>
+            </p:nvPr>
+          </p:nvSpPr>
+          <p:spPr>
+            <a:xfrm>
+              <a:off x="10141090" y="4115729"/>
+              <a:ext cx="202882" cy="268223"/>
+            </a:xfrm>
+            <a:custGeom>
+              <a:avLst/>
+              <a:gdLst>
+                <a:gd name="connsiteX0" fmla="*/ 20669 w 202882"/>
+                <a:gd name="connsiteY0" fmla="*/ 268224 h 268223"/>
+                <a:gd name="connsiteX1" fmla="*/ 0 w 202882"/>
+                <a:gd name="connsiteY1" fmla="*/ 268224 h 268223"/>
+                <a:gd name="connsiteX2" fmla="*/ 182118 w 202882"/>
+                <a:gd name="connsiteY2" fmla="*/ 0 h 268223"/>
+                <a:gd name="connsiteX3" fmla="*/ 202883 w 202882"/>
+                <a:gd name="connsiteY3" fmla="*/ 0 h 268223"/>
+              </a:gdLst>
+              <a:ahLst/>
+              <a:cxnLst>
+                <a:cxn ang="0">
+                  <a:pos x="connsiteX0" y="connsiteY0"/>
+                </a:cxn>
+                <a:cxn ang="0">
+                  <a:pos x="connsiteX1" y="connsiteY1"/>
+                </a:cxn>
+                <a:cxn ang="0">
+                  <a:pos x="connsiteX2" y="connsiteY2"/>
+                </a:cxn>
+                <a:cxn ang="0">
+                  <a:pos x="connsiteX3" y="connsiteY3"/>
+                </a:cxn>
+              </a:cxnLst>
+              <a:rect l="l" t="t" r="r" b="b"/>
+              <a:pathLst>
+                <a:path w="202882" h="268223">
+                  <a:moveTo>
+                    <a:pt x="20669" y="268224"/>
+                  </a:moveTo>
+                  <a:lnTo>
+                    <a:pt x="0" y="268224"/>
+                  </a:lnTo>
+                  <a:lnTo>
+                    <a:pt x="182118" y="0"/>
+                  </a:lnTo>
+                  <a:lnTo>
+                    <a:pt x="202883" y="0"/>
+                  </a:lnTo>
+                  <a:close/>
+                </a:path>
+              </a:pathLst>
+            </a:custGeom>
+            <a:grpFill/>
+            <a:ln w="9525" cap="flat">
+              <a:noFill/>
+              <a:prstDash val="solid"/>
+              <a:miter/>
+            </a:ln>
+          </p:spPr>
+          <p:txBody>
+            <a:bodyPr rtlCol="0" anchor="ctr"/>
+            <a:lstStyle/>
+            <a:p>
+              <a:endParaRPr lang="en-US"/>
+            </a:p>
+          </p:txBody>
+        </p:sp>
+        <p:sp>
+          <p:nvSpPr>
+            <p:cNvPr id="51" name="Freeform: Shape 62">
+              <a:extLst>
+                <a:ext uri="{FF2B5EF4-FFF2-40B4-BE49-F238E27FC236}">
+                  <a16:creationId xmlns:a16="http://schemas.microsoft.com/office/drawing/2014/main" id="{069F0FB4-779A-48FC-AC33-784F177C9298}"/>
+                </a:ext>
+                <a:ext uri="{C183D7F6-B498-43B3-948B-1728B52AA6E4}">
+                  <adec:decorative xmlns:adec="http://schemas.microsoft.com/office/drawing/2017/decorative" val="1"/>
+                </a:ext>
+              </a:extLst>
+            </p:cNvPr>
+            <p:cNvSpPr/>
+            <p:nvPr>
+              <p:extLst>
+                <p:ext uri="{386F3935-93C4-4BCD-93E2-E3B085C9AB24}">
+                  <p16:designElem xmlns:p16="http://schemas.microsoft.com/office/powerpoint/2015/main" val="1"/>
+                </p:ext>
+              </p:extLst>
+            </p:nvPr>
+          </p:nvSpPr>
+          <p:spPr>
+            <a:xfrm>
+              <a:off x="10240911" y="4115729"/>
+              <a:ext cx="202882" cy="268223"/>
+            </a:xfrm>
+            <a:custGeom>
+              <a:avLst/>
+              <a:gdLst>
+                <a:gd name="connsiteX0" fmla="*/ 20669 w 202882"/>
+                <a:gd name="connsiteY0" fmla="*/ 268224 h 268223"/>
+                <a:gd name="connsiteX1" fmla="*/ 0 w 202882"/>
+                <a:gd name="connsiteY1" fmla="*/ 268224 h 268223"/>
+                <a:gd name="connsiteX2" fmla="*/ 182118 w 202882"/>
+                <a:gd name="connsiteY2" fmla="*/ 0 h 268223"/>
+                <a:gd name="connsiteX3" fmla="*/ 202883 w 202882"/>
+                <a:gd name="connsiteY3" fmla="*/ 0 h 268223"/>
+              </a:gdLst>
+              <a:ahLst/>
+              <a:cxnLst>
+                <a:cxn ang="0">
+                  <a:pos x="connsiteX0" y="connsiteY0"/>
+                </a:cxn>
+                <a:cxn ang="0">
+                  <a:pos x="connsiteX1" y="connsiteY1"/>
+                </a:cxn>
+                <a:cxn ang="0">
+                  <a:pos x="connsiteX2" y="connsiteY2"/>
+                </a:cxn>
+                <a:cxn ang="0">
+                  <a:pos x="connsiteX3" y="connsiteY3"/>
+                </a:cxn>
+              </a:cxnLst>
+              <a:rect l="l" t="t" r="r" b="b"/>
+              <a:pathLst>
+                <a:path w="202882" h="268223">
+                  <a:moveTo>
+                    <a:pt x="20669" y="268224"/>
+                  </a:moveTo>
+                  <a:lnTo>
+                    <a:pt x="0" y="268224"/>
+                  </a:lnTo>
+                  <a:lnTo>
+                    <a:pt x="182118" y="0"/>
+                  </a:lnTo>
+                  <a:lnTo>
+                    <a:pt x="202883" y="0"/>
+                  </a:lnTo>
+                  <a:close/>
+                </a:path>
+              </a:pathLst>
+            </a:custGeom>
+            <a:grpFill/>
+            <a:ln w="9525" cap="flat">
+              <a:noFill/>
+              <a:prstDash val="solid"/>
+              <a:miter/>
+            </a:ln>
+          </p:spPr>
+          <p:txBody>
+            <a:bodyPr rtlCol="0" anchor="ctr"/>
+            <a:lstStyle/>
+            <a:p>
+              <a:endParaRPr lang="en-US"/>
+            </a:p>
+          </p:txBody>
+        </p:sp>
+      </p:grpSp>
+      <p:sp>
+        <p:nvSpPr>
+          <p:cNvPr id="36" name="Title 1">
+            <a:extLst>
+              <a:ext uri="{FF2B5EF4-FFF2-40B4-BE49-F238E27FC236}">
+                <a16:creationId xmlns:a16="http://schemas.microsoft.com/office/drawing/2014/main" id="{7C9D9C54-1B58-4967-9E2C-DF1A69CBD82F}"/>
+              </a:ext>
+            </a:extLst>
+          </p:cNvPr>
+          <p:cNvSpPr txBox="1">
+            <a:spLocks/>
+          </p:cNvSpPr>
+          <p:nvPr/>
+        </p:nvSpPr>
+        <p:spPr>
+          <a:xfrm>
+            <a:off x="838200" y="448721"/>
+            <a:ext cx="4707671" cy="1225650"/>
+          </a:xfrm>
+          <a:prstGeom prst="rect">
+            <a:avLst/>
+          </a:prstGeom>
+        </p:spPr>
+        <p:style>
+          <a:lnRef idx="2">
+            <a:schemeClr val="accent5">
+              <a:shade val="50000"/>
+            </a:schemeClr>
+          </a:lnRef>
+          <a:fillRef idx="1">
+            <a:schemeClr val="accent5"/>
+          </a:fillRef>
+          <a:effectRef idx="0">
+            <a:schemeClr val="accent5"/>
+          </a:effectRef>
+          <a:fontRef idx="minor">
+            <a:schemeClr val="lt1"/>
+          </a:fontRef>
+        </p:style>
+        <p:txBody>
+          <a:bodyPr vert="horz" lIns="91440" tIns="45720" rIns="91440" bIns="45720" rtlCol="0" anchor="b">
+            <a:normAutofit/>
+          </a:bodyPr>
+          <a:lstStyle>
+            <a:lvl1pPr algn="l" defTabSz="914400" rtl="0" eaLnBrk="1" latinLnBrk="0" hangingPunct="1">
+              <a:lnSpc>
+                <a:spcPct val="90000"/>
+              </a:lnSpc>
+              <a:spcBef>
+                <a:spcPct val="0"/>
+              </a:spcBef>
+              <a:buNone/>
+              <a:defRPr sz="4400" kern="1200">
+                <a:solidFill>
+                  <a:schemeClr val="lt1"/>
+                </a:solidFill>
+                <a:latin typeface="+mn-lt"/>
+                <a:ea typeface="+mn-ea"/>
+                <a:cs typeface="+mn-cs"/>
+              </a:defRPr>
+            </a:lvl1pPr>
+            <a:lvl2pPr>
+              <a:defRPr>
+                <a:solidFill>
+                  <a:schemeClr val="lt1"/>
+                </a:solidFill>
+                <a:latin typeface="+mn-lt"/>
+                <a:ea typeface="+mn-ea"/>
+                <a:cs typeface="+mn-cs"/>
+              </a:defRPr>
+            </a:lvl2pPr>
+            <a:lvl3pPr>
+              <a:defRPr>
+                <a:solidFill>
+                  <a:schemeClr val="lt1"/>
+                </a:solidFill>
+                <a:latin typeface="+mn-lt"/>
+                <a:ea typeface="+mn-ea"/>
+                <a:cs typeface="+mn-cs"/>
+              </a:defRPr>
+            </a:lvl3pPr>
+            <a:lvl4pPr>
+              <a:defRPr>
+                <a:solidFill>
+                  <a:schemeClr val="lt1"/>
+                </a:solidFill>
+                <a:latin typeface="+mn-lt"/>
+                <a:ea typeface="+mn-ea"/>
+                <a:cs typeface="+mn-cs"/>
+              </a:defRPr>
+            </a:lvl4pPr>
+            <a:lvl5pPr>
+              <a:defRPr>
+                <a:solidFill>
+                  <a:schemeClr val="lt1"/>
+                </a:solidFill>
+                <a:latin typeface="+mn-lt"/>
+                <a:ea typeface="+mn-ea"/>
+                <a:cs typeface="+mn-cs"/>
+              </a:defRPr>
+            </a:lvl5pPr>
+            <a:lvl6pPr>
+              <a:defRPr>
+                <a:solidFill>
+                  <a:schemeClr val="lt1"/>
+                </a:solidFill>
+                <a:latin typeface="+mn-lt"/>
+                <a:ea typeface="+mn-ea"/>
+                <a:cs typeface="+mn-cs"/>
+              </a:defRPr>
+            </a:lvl6pPr>
+            <a:lvl7pPr>
+              <a:defRPr>
+                <a:solidFill>
+                  <a:schemeClr val="lt1"/>
+                </a:solidFill>
+                <a:latin typeface="+mn-lt"/>
+                <a:ea typeface="+mn-ea"/>
+                <a:cs typeface="+mn-cs"/>
+              </a:defRPr>
+            </a:lvl7pPr>
+            <a:lvl8pPr>
+              <a:defRPr>
+                <a:solidFill>
+                  <a:schemeClr val="lt1"/>
+                </a:solidFill>
+                <a:latin typeface="+mn-lt"/>
+                <a:ea typeface="+mn-ea"/>
+                <a:cs typeface="+mn-cs"/>
+              </a:defRPr>
+            </a:lvl8pPr>
+            <a:lvl9pPr>
+              <a:defRPr>
+                <a:solidFill>
+                  <a:schemeClr val="lt1"/>
+                </a:solidFill>
+                <a:latin typeface="+mn-lt"/>
+                <a:ea typeface="+mn-ea"/>
+                <a:cs typeface="+mn-cs"/>
+              </a:defRPr>
+            </a:lvl9pPr>
+          </a:lstStyle>
+          <a:p>
+            <a:r>
+              <a:rPr lang="en-US" sz="3800" dirty="0">
+                <a:ln w="0"/>
+                <a:solidFill>
+                  <a:schemeClr val="tx1"/>
+                </a:solidFill>
+                <a:effectLst>
+                  <a:outerShdw blurRad="38100" dist="19050" dir="2700000" algn="tl" rotWithShape="0">
+                    <a:schemeClr val="dk1">
+                      <a:alpha val="40000"/>
+                    </a:schemeClr>
+                  </a:outerShdw>
+                </a:effectLst>
+              </a:rPr>
+              <a:t>Things we would do differently</a:t>
+            </a:r>
+          </a:p>
+        </p:txBody>
+      </p:sp>
+      <p:sp>
+        <p:nvSpPr>
+          <p:cNvPr id="37" name="Content Placeholder 2">
+            <a:extLst>
+              <a:ext uri="{FF2B5EF4-FFF2-40B4-BE49-F238E27FC236}">
+                <a16:creationId xmlns:a16="http://schemas.microsoft.com/office/drawing/2014/main" id="{9663E9D2-BB09-451E-9F91-CF33E305BD4E}"/>
+              </a:ext>
+            </a:extLst>
+          </p:cNvPr>
+          <p:cNvSpPr txBox="1">
+            <a:spLocks/>
+          </p:cNvSpPr>
+          <p:nvPr/>
+        </p:nvSpPr>
+        <p:spPr>
+          <a:xfrm>
+            <a:off x="910469" y="1909192"/>
+            <a:ext cx="6214231" cy="3647710"/>
+          </a:xfrm>
+          <a:prstGeom prst="rect">
+            <a:avLst/>
+          </a:prstGeom>
+        </p:spPr>
+        <p:style>
+          <a:lnRef idx="0">
+            <a:scrgbClr r="0" g="0" b="0"/>
+          </a:lnRef>
+          <a:fillRef idx="0">
+            <a:scrgbClr r="0" g="0" b="0"/>
+          </a:fillRef>
+          <a:effectRef idx="0">
+            <a:scrgbClr r="0" g="0" b="0"/>
+          </a:effectRef>
+          <a:fontRef idx="minor">
+            <a:schemeClr val="lt1"/>
+          </a:fontRef>
+        </p:style>
+        <p:txBody>
+          <a:bodyPr vert="horz" lIns="91440" tIns="45720" rIns="91440" bIns="45720" rtlCol="0">
+            <a:normAutofit/>
+          </a:bodyPr>
+          <a:lstStyle>
+            <a:lvl1pPr marL="228600" indent="-228600" algn="l" defTabSz="914400" rtl="0" eaLnBrk="1" latinLnBrk="0" hangingPunct="1">
+              <a:lnSpc>
+                <a:spcPct val="90000"/>
+              </a:lnSpc>
+              <a:spcBef>
+                <a:spcPts val="1000"/>
+              </a:spcBef>
+              <a:buFont typeface="Arial" panose="020B0604020202020204" pitchFamily="34" charset="0"/>
+              <a:buChar char="•"/>
+              <a:defRPr sz="2800" kern="1200">
+                <a:solidFill>
+                  <a:schemeClr val="lt1"/>
+                </a:solidFill>
+                <a:latin typeface="+mn-lt"/>
+                <a:ea typeface="+mn-ea"/>
+                <a:cs typeface="+mn-cs"/>
+              </a:defRPr>
+            </a:lvl1pPr>
+            <a:lvl2pPr marL="685800" indent="-228600" algn="l" defTabSz="914400" rtl="0" eaLnBrk="1" latinLnBrk="0" hangingPunct="1">
+              <a:lnSpc>
+                <a:spcPct val="90000"/>
+              </a:lnSpc>
+              <a:spcBef>
+                <a:spcPts val="500"/>
+              </a:spcBef>
+              <a:buFont typeface="Arial" panose="020B0604020202020204" pitchFamily="34" charset="0"/>
+              <a:buChar char="•"/>
+              <a:defRPr sz="2400" kern="1200">
+                <a:solidFill>
+                  <a:schemeClr val="lt1"/>
+                </a:solidFill>
+                <a:latin typeface="+mn-lt"/>
+                <a:ea typeface="+mn-ea"/>
+                <a:cs typeface="+mn-cs"/>
+              </a:defRPr>
+            </a:lvl2pPr>
+            <a:lvl3pPr marL="1143000" indent="-228600" algn="l" defTabSz="914400" rtl="0" eaLnBrk="1" latinLnBrk="0" hangingPunct="1">
+              <a:lnSpc>
+                <a:spcPct val="90000"/>
+              </a:lnSpc>
+              <a:spcBef>
+                <a:spcPts val="500"/>
+              </a:spcBef>
+              <a:buFont typeface="Arial" panose="020B0604020202020204" pitchFamily="34" charset="0"/>
+              <a:buChar char="•"/>
+              <a:defRPr sz="2000" kern="1200">
+                <a:solidFill>
+                  <a:schemeClr val="lt1"/>
+                </a:solidFill>
+                <a:latin typeface="+mn-lt"/>
+                <a:ea typeface="+mn-ea"/>
+                <a:cs typeface="+mn-cs"/>
+              </a:defRPr>
+            </a:lvl3pPr>
+            <a:lvl4pPr marL="1600200" indent="-228600" algn="l" defTabSz="914400" rtl="0" eaLnBrk="1" latinLnBrk="0" hangingPunct="1">
+              <a:lnSpc>
+                <a:spcPct val="90000"/>
+              </a:lnSpc>
+              <a:spcBef>
+                <a:spcPts val="500"/>
+              </a:spcBef>
+              <a:buFont typeface="Arial" panose="020B0604020202020204" pitchFamily="34" charset="0"/>
+              <a:buChar char="•"/>
+              <a:defRPr sz="1800" kern="1200">
+                <a:solidFill>
+                  <a:schemeClr val="lt1"/>
+                </a:solidFill>
+                <a:latin typeface="+mn-lt"/>
+                <a:ea typeface="+mn-ea"/>
+                <a:cs typeface="+mn-cs"/>
+              </a:defRPr>
+            </a:lvl4pPr>
+            <a:lvl5pPr marL="2057400" indent="-228600" algn="l" defTabSz="914400" rtl="0" eaLnBrk="1" latinLnBrk="0" hangingPunct="1">
+              <a:lnSpc>
+                <a:spcPct val="90000"/>
+              </a:lnSpc>
+              <a:spcBef>
+                <a:spcPts val="500"/>
+              </a:spcBef>
+              <a:buFont typeface="Arial" panose="020B0604020202020204" pitchFamily="34" charset="0"/>
+              <a:buChar char="•"/>
+              <a:defRPr sz="1800" kern="1200">
+                <a:solidFill>
+                  <a:schemeClr val="lt1"/>
+                </a:solidFill>
+                <a:latin typeface="+mn-lt"/>
+                <a:ea typeface="+mn-ea"/>
+                <a:cs typeface="+mn-cs"/>
+              </a:defRPr>
+            </a:lvl5pPr>
+            <a:lvl6pPr marL="2514600" indent="-228600" algn="l" defTabSz="914400" rtl="0" eaLnBrk="1" latinLnBrk="0" hangingPunct="1">
+              <a:lnSpc>
+                <a:spcPct val="90000"/>
+              </a:lnSpc>
+              <a:spcBef>
+                <a:spcPts val="500"/>
+              </a:spcBef>
+              <a:buFont typeface="Arial" panose="020B0604020202020204" pitchFamily="34" charset="0"/>
+              <a:buChar char="•"/>
+              <a:defRPr sz="1800" kern="1200">
+                <a:solidFill>
+                  <a:schemeClr val="lt1"/>
+                </a:solidFill>
+                <a:latin typeface="+mn-lt"/>
+                <a:ea typeface="+mn-ea"/>
+                <a:cs typeface="+mn-cs"/>
+              </a:defRPr>
+            </a:lvl6pPr>
+            <a:lvl7pPr marL="2971800" indent="-228600" algn="l" defTabSz="914400" rtl="0" eaLnBrk="1" latinLnBrk="0" hangingPunct="1">
+              <a:lnSpc>
+                <a:spcPct val="90000"/>
+              </a:lnSpc>
+              <a:spcBef>
+                <a:spcPts val="500"/>
+              </a:spcBef>
+              <a:buFont typeface="Arial" panose="020B0604020202020204" pitchFamily="34" charset="0"/>
+              <a:buChar char="•"/>
+              <a:defRPr sz="1800" kern="1200">
+                <a:solidFill>
+                  <a:schemeClr val="lt1"/>
+                </a:solidFill>
+                <a:latin typeface="+mn-lt"/>
+                <a:ea typeface="+mn-ea"/>
+                <a:cs typeface="+mn-cs"/>
+              </a:defRPr>
+            </a:lvl7pPr>
+            <a:lvl8pPr marL="3429000" indent="-228600" algn="l" defTabSz="914400" rtl="0" eaLnBrk="1" latinLnBrk="0" hangingPunct="1">
+              <a:lnSpc>
+                <a:spcPct val="90000"/>
+              </a:lnSpc>
+              <a:spcBef>
+                <a:spcPts val="500"/>
+              </a:spcBef>
+              <a:buFont typeface="Arial" panose="020B0604020202020204" pitchFamily="34" charset="0"/>
+              <a:buChar char="•"/>
+              <a:defRPr sz="1800" kern="1200">
+                <a:solidFill>
+                  <a:schemeClr val="lt1"/>
+                </a:solidFill>
+                <a:latin typeface="+mn-lt"/>
+                <a:ea typeface="+mn-ea"/>
+                <a:cs typeface="+mn-cs"/>
+              </a:defRPr>
+            </a:lvl8pPr>
+            <a:lvl9pPr marL="3886200" indent="-228600" algn="l" defTabSz="914400" rtl="0" eaLnBrk="1" latinLnBrk="0" hangingPunct="1">
+              <a:lnSpc>
+                <a:spcPct val="90000"/>
+              </a:lnSpc>
+              <a:spcBef>
+                <a:spcPts val="500"/>
+              </a:spcBef>
+              <a:buFont typeface="Arial" panose="020B0604020202020204" pitchFamily="34" charset="0"/>
+              <a:buChar char="•"/>
+              <a:defRPr sz="1800" kern="1200">
+                <a:solidFill>
+                  <a:schemeClr val="lt1"/>
+                </a:solidFill>
+                <a:latin typeface="+mn-lt"/>
+                <a:ea typeface="+mn-ea"/>
+                <a:cs typeface="+mn-cs"/>
+              </a:defRPr>
+            </a:lvl9pPr>
+          </a:lstStyle>
+          <a:p>
+            <a:r>
+              <a:rPr lang="en-US" sz="2000" dirty="0">
+                <a:solidFill>
+                  <a:schemeClr val="bg1"/>
+                </a:solidFill>
+              </a:rPr>
+              <a:t>Utilize CI/CD in development</a:t>
+            </a:r>
+          </a:p>
+          <a:p>
+            <a:r>
+              <a:rPr lang="en-US" sz="2000" dirty="0">
+                <a:solidFill>
+                  <a:schemeClr val="bg1"/>
+                </a:solidFill>
+              </a:rPr>
+              <a:t>Use Redux or similar for state management</a:t>
+            </a:r>
+          </a:p>
+          <a:p>
+            <a:r>
+              <a:rPr lang="en-US" sz="2000" dirty="0">
+                <a:solidFill>
+                  <a:schemeClr val="bg1"/>
+                </a:solidFill>
+              </a:rPr>
+              <a:t>Use more React UI libraries rather than creating all our own components</a:t>
+            </a:r>
+          </a:p>
+          <a:p>
+            <a:r>
+              <a:rPr lang="en-US" sz="2000" dirty="0">
+                <a:solidFill>
+                  <a:schemeClr val="bg1"/>
+                </a:solidFill>
+              </a:rPr>
+              <a:t>Get rid of python app, node.js app serves all needs</a:t>
+            </a:r>
+          </a:p>
+          <a:p>
+            <a:r>
+              <a:rPr lang="en-US" sz="2000" dirty="0">
+                <a:solidFill>
+                  <a:schemeClr val="bg1"/>
+                </a:solidFill>
+              </a:rPr>
+              <a:t>Use more AWS services (such as S3 or Lambda) over some of our current implementations</a:t>
+            </a:r>
+          </a:p>
+          <a:p>
+            <a:r>
+              <a:rPr lang="en-US" sz="2000" dirty="0">
+                <a:solidFill>
+                  <a:schemeClr val="bg1"/>
+                </a:solidFill>
+              </a:rPr>
+              <a:t>Keep code cleaner from day one, to avoid refactoring six months in</a:t>
+            </a:r>
+          </a:p>
+          <a:p>
+            <a:r>
+              <a:rPr lang="en-US" sz="2000" dirty="0">
+                <a:solidFill>
+                  <a:schemeClr val="bg1"/>
+                </a:solidFill>
+              </a:rPr>
+              <a:t>Better project planning and management of time</a:t>
+            </a:r>
+          </a:p>
+        </p:txBody>
+      </p:sp>
+    </p:spTree>
+    <p:extLst>
+      <p:ext uri="{BB962C8B-B14F-4D97-AF65-F5344CB8AC3E}">
+        <p14:creationId xmlns:p14="http://schemas.microsoft.com/office/powerpoint/2010/main" val="3438939623"/>
+      </p:ext>
+    </p:extLst>
+  </p:cSld>
+  <p:clrMapOvr>
+    <a:masterClrMapping/>
+  </p:clrMapOvr>
+  <p:timing>
+    <p:tnLst>
+      <p:par>
+        <p:cTn id="1" dur="indefinite" restart="never" nodeType="tmRoot">
+          <p:childTnLst>
+            <p:seq concurrent="1" nextAc="seek">
+              <p:cTn id="2" dur="indefinite" nodeType="mainSeq">
+                <p:childTnLst>
+                  <p:par>
+                    <p:cTn id="3" fill="hold">
+                      <p:stCondLst>
+                        <p:cond delay="indefinite"/>
+                      </p:stCondLst>
+                      <p:childTnLst>
+                        <p:par>
+                          <p:cTn id="4" fill="hold">
+                            <p:stCondLst>
+                              <p:cond delay="0"/>
+                            </p:stCondLst>
+                            <p:childTnLst>
+                              <p:par>
+                                <p:cTn id="5" presetID="1" presetClass="entr" presetSubtype="0" fill="hold" nodeType="clickEffect">
+                                  <p:stCondLst>
+                                    <p:cond delay="0"/>
+                                  </p:stCondLst>
+                                  <p:childTnLst>
+                                    <p:set>
+                                      <p:cBhvr>
+                                        <p:cTn id="6" dur="1" fill="hold">
+                                          <p:stCondLst>
+                                            <p:cond delay="0"/>
+                                          </p:stCondLst>
+                                        </p:cTn>
+                                        <p:tgtEl>
+                                          <p:spTgt spid="37">
+                                            <p:txEl>
+                                              <p:pRg st="0" end="0"/>
+                                            </p:txEl>
+                                          </p:spTgt>
+                                        </p:tgtEl>
+                                        <p:attrNameLst>
+                                          <p:attrName>style.visibility</p:attrName>
+                                        </p:attrNameLst>
+                                      </p:cBhvr>
+                                      <p:to>
+                                        <p:strVal val="visible"/>
+                                      </p:to>
+                                    </p:set>
+                                  </p:childTnLst>
+                                </p:cTn>
+                              </p:par>
+                            </p:childTnLst>
+                          </p:cTn>
+                        </p:par>
+                      </p:childTnLst>
+                    </p:cTn>
+                  </p:par>
+                  <p:par>
+                    <p:cTn id="7" fill="hold">
+                      <p:stCondLst>
+                        <p:cond delay="indefinite"/>
+                      </p:stCondLst>
+                      <p:childTnLst>
+                        <p:par>
+                          <p:cTn id="8" fill="hold">
+                            <p:stCondLst>
+                              <p:cond delay="0"/>
+                            </p:stCondLst>
+                            <p:childTnLst>
+                              <p:par>
+                                <p:cTn id="9" presetID="1" presetClass="entr" presetSubtype="0" fill="hold" nodeType="clickEffect">
+                                  <p:stCondLst>
+                                    <p:cond delay="0"/>
+                                  </p:stCondLst>
+                                  <p:childTnLst>
+                                    <p:set>
+                                      <p:cBhvr>
+                                        <p:cTn id="10" dur="1" fill="hold">
+                                          <p:stCondLst>
+                                            <p:cond delay="0"/>
+                                          </p:stCondLst>
+                                        </p:cTn>
+                                        <p:tgtEl>
+                                          <p:spTgt spid="37">
+                                            <p:txEl>
+                                              <p:pRg st="1" end="1"/>
+                                            </p:txEl>
+                                          </p:spTgt>
+                                        </p:tgtEl>
+                                        <p:attrNameLst>
+                                          <p:attrName>style.visibility</p:attrName>
+                                        </p:attrNameLst>
+                                      </p:cBhvr>
+                                      <p:to>
+                                        <p:strVal val="visible"/>
+                                      </p:to>
+                                    </p:set>
+                                  </p:childTnLst>
+                                </p:cTn>
+                              </p:par>
+                            </p:childTnLst>
+                          </p:cTn>
+                        </p:par>
+                      </p:childTnLst>
+                    </p:cTn>
+                  </p:par>
+                  <p:par>
+                    <p:cTn id="11" fill="hold">
+                      <p:stCondLst>
+                        <p:cond delay="indefinite"/>
+                      </p:stCondLst>
+                      <p:childTnLst>
+                        <p:par>
+                          <p:cTn id="12" fill="hold">
+                            <p:stCondLst>
+                              <p:cond delay="0"/>
+                            </p:stCondLst>
+                            <p:childTnLst>
+                              <p:par>
+                                <p:cTn id="13" presetID="1" presetClass="entr" presetSubtype="0" fill="hold" nodeType="clickEffect">
+                                  <p:stCondLst>
+                                    <p:cond delay="0"/>
+                                  </p:stCondLst>
+                                  <p:childTnLst>
+                                    <p:set>
+                                      <p:cBhvr>
+                                        <p:cTn id="14" dur="1" fill="hold">
+                                          <p:stCondLst>
+                                            <p:cond delay="0"/>
+                                          </p:stCondLst>
+                                        </p:cTn>
+                                        <p:tgtEl>
+                                          <p:spTgt spid="37">
+                                            <p:txEl>
+                                              <p:pRg st="2" end="2"/>
+                                            </p:txEl>
+                                          </p:spTgt>
+                                        </p:tgtEl>
+                                        <p:attrNameLst>
+                                          <p:attrName>style.visibility</p:attrName>
+                                        </p:attrNameLst>
+                                      </p:cBhvr>
+                                      <p:to>
+                                        <p:strVal val="visible"/>
+                                      </p:to>
+                                    </p:set>
+                                  </p:childTnLst>
+                                </p:cTn>
+                              </p:par>
+                            </p:childTnLst>
+                          </p:cTn>
+                        </p:par>
+                      </p:childTnLst>
+                    </p:cTn>
+                  </p:par>
+                  <p:par>
+                    <p:cTn id="15" fill="hold">
+                      <p:stCondLst>
+                        <p:cond delay="indefinite"/>
+                      </p:stCondLst>
+                      <p:childTnLst>
+                        <p:par>
+                          <p:cTn id="16" fill="hold">
+                            <p:stCondLst>
+                              <p:cond delay="0"/>
+                            </p:stCondLst>
+                            <p:childTnLst>
+                              <p:par>
+                                <p:cTn id="17" presetID="1" presetClass="entr" presetSubtype="0" fill="hold" nodeType="clickEffect">
+                                  <p:stCondLst>
+                                    <p:cond delay="0"/>
+                                  </p:stCondLst>
+                                  <p:childTnLst>
+                                    <p:set>
+                                      <p:cBhvr>
+                                        <p:cTn id="18" dur="1" fill="hold">
+                                          <p:stCondLst>
+                                            <p:cond delay="0"/>
+                                          </p:stCondLst>
+                                        </p:cTn>
+                                        <p:tgtEl>
+                                          <p:spTgt spid="37">
+                                            <p:txEl>
+                                              <p:pRg st="3" end="3"/>
+                                            </p:txEl>
+                                          </p:spTgt>
+                                        </p:tgtEl>
+                                        <p:attrNameLst>
+                                          <p:attrName>style.visibility</p:attrName>
+                                        </p:attrNameLst>
+                                      </p:cBhvr>
+                                      <p:to>
+                                        <p:strVal val="visible"/>
+                                      </p:to>
+                                    </p:set>
+                                  </p:childTnLst>
+                                </p:cTn>
+                              </p:par>
+                            </p:childTnLst>
+                          </p:cTn>
+                        </p:par>
+                      </p:childTnLst>
+                    </p:cTn>
+                  </p:par>
+                  <p:par>
+                    <p:cTn id="19" fill="hold">
+                      <p:stCondLst>
+                        <p:cond delay="indefinite"/>
+                      </p:stCondLst>
+                      <p:childTnLst>
+                        <p:par>
+                          <p:cTn id="20" fill="hold">
+                            <p:stCondLst>
+                              <p:cond delay="0"/>
+                            </p:stCondLst>
+                            <p:childTnLst>
+                              <p:par>
+                                <p:cTn id="21" presetID="1" presetClass="entr" presetSubtype="0" fill="hold" nodeType="clickEffect">
+                                  <p:stCondLst>
+                                    <p:cond delay="0"/>
+                                  </p:stCondLst>
+                                  <p:childTnLst>
+                                    <p:set>
+                                      <p:cBhvr>
+                                        <p:cTn id="22" dur="1" fill="hold">
+                                          <p:stCondLst>
+                                            <p:cond delay="0"/>
+                                          </p:stCondLst>
+                                        </p:cTn>
+                                        <p:tgtEl>
+                                          <p:spTgt spid="37">
+                                            <p:txEl>
+                                              <p:pRg st="4" end="4"/>
+                                            </p:txEl>
+                                          </p:spTgt>
+                                        </p:tgtEl>
+                                        <p:attrNameLst>
+                                          <p:attrName>style.visibility</p:attrName>
+                                        </p:attrNameLst>
+                                      </p:cBhvr>
+                                      <p:to>
+                                        <p:strVal val="visible"/>
+                                      </p:to>
+                                    </p:set>
+                                  </p:childTnLst>
+                                </p:cTn>
+                              </p:par>
+                            </p:childTnLst>
+                          </p:cTn>
+                        </p:par>
+                      </p:childTnLst>
+                    </p:cTn>
+                  </p:par>
+                  <p:par>
+                    <p:cTn id="23" fill="hold">
+                      <p:stCondLst>
+                        <p:cond delay="indefinite"/>
+                      </p:stCondLst>
+                      <p:childTnLst>
+                        <p:par>
+                          <p:cTn id="24" fill="hold">
+                            <p:stCondLst>
+                              <p:cond delay="0"/>
+                            </p:stCondLst>
+                            <p:childTnLst>
+                              <p:par>
+                                <p:cTn id="25" presetID="1" presetClass="entr" presetSubtype="0" fill="hold" nodeType="clickEffect">
+                                  <p:stCondLst>
+                                    <p:cond delay="0"/>
+                                  </p:stCondLst>
+                                  <p:childTnLst>
+                                    <p:set>
+                                      <p:cBhvr>
+                                        <p:cTn id="26" dur="1" fill="hold">
+                                          <p:stCondLst>
+                                            <p:cond delay="0"/>
+                                          </p:stCondLst>
+                                        </p:cTn>
+                                        <p:tgtEl>
+                                          <p:spTgt spid="37">
+                                            <p:txEl>
+                                              <p:pRg st="5" end="5"/>
+                                            </p:txEl>
+                                          </p:spTgt>
+                                        </p:tgtEl>
+                                        <p:attrNameLst>
+                                          <p:attrName>style.visibility</p:attrName>
+                                        </p:attrNameLst>
+                                      </p:cBhvr>
+                                      <p:to>
+                                        <p:strVal val="visible"/>
+                                      </p:to>
+                                    </p:set>
+                                  </p:childTnLst>
+                                </p:cTn>
+                              </p:par>
+                            </p:childTnLst>
+                          </p:cTn>
+                        </p:par>
+                      </p:childTnLst>
+                    </p:cTn>
+                  </p:par>
+                  <p:par>
+                    <p:cTn id="27" fill="hold">
+                      <p:stCondLst>
+                        <p:cond delay="indefinite"/>
+                      </p:stCondLst>
+                      <p:childTnLst>
+                        <p:par>
+                          <p:cTn id="28" fill="hold">
+                            <p:stCondLst>
+                              <p:cond delay="0"/>
+                            </p:stCondLst>
+                            <p:childTnLst>
+                              <p:par>
+                                <p:cTn id="29" presetID="1" presetClass="entr" presetSubtype="0" fill="hold" nodeType="clickEffect">
+                                  <p:stCondLst>
+                                    <p:cond delay="0"/>
+                                  </p:stCondLst>
+                                  <p:childTnLst>
+                                    <p:set>
+                                      <p:cBhvr>
+                                        <p:cTn id="30" dur="1" fill="hold">
+                                          <p:stCondLst>
+                                            <p:cond delay="0"/>
+                                          </p:stCondLst>
+                                        </p:cTn>
+                                        <p:tgtEl>
+                                          <p:spTgt spid="37">
+                                            <p:txEl>
+                                              <p:pRg st="6" end="6"/>
+                                            </p:txEl>
+                                          </p:spTgt>
+                                        </p:tgtEl>
+                                        <p:attrNameLst>
+                                          <p:attrName>style.visibility</p:attrName>
+                                        </p:attrNameLst>
+                                      </p:cBhvr>
+                                      <p:to>
+                                        <p:strVal val="visible"/>
+                                      </p:to>
+                                    </p:set>
+                                  </p:childTnLst>
+                                </p:cTn>
+                              </p:par>
+                            </p:childTnLst>
+                          </p:cTn>
+                        </p:par>
+                      </p:childTnLst>
+                    </p:cTn>
+                  </p:par>
+                </p:childTnLst>
+              </p:cTn>
+              <p:prevCondLst>
+                <p:cond evt="onPrev" delay="0">
+                  <p:tgtEl>
+                    <p:sldTgt/>
+                  </p:tgtEl>
+                </p:cond>
+              </p:prevCondLst>
+              <p:nextCondLst>
+                <p:cond evt="onNext" delay="0">
+                  <p:tgtEl>
+                    <p:sldTgt/>
+                  </p:tgtEl>
+                </p:cond>
+              </p:nextCondLst>
+            </p:seq>
+          </p:childTnLst>
+        </p:cTn>
+      </p:par>
+    </p:tnLst>
+  </p:timing>
+</p:sld>
+</file>
+
 <file path=ppt/theme/theme1.xml><?xml version="1.0" encoding="utf-8"?>
 <a:theme xmlns:a="http://schemas.openxmlformats.org/drawingml/2006/main" name="Office Theme">
   <a:themeElements>
